--- a/Presentation Files/Priority Queue .pptx
+++ b/Presentation Files/Priority Queue .pptx
@@ -34,30 +34,35 @@
     <p:sldId id="279" r:id="rId28"/>
     <p:sldId id="280" r:id="rId29"/>
     <p:sldId id="281" r:id="rId30"/>
+    <p:sldId id="282" r:id="rId31"/>
+    <p:sldId id="283" r:id="rId32"/>
+    <p:sldId id="284" r:id="rId33"/>
+    <p:sldId id="285" r:id="rId34"/>
+    <p:sldId id="286" r:id="rId35"/>
   </p:sldIdLst>
   <p:sldSz cy="5143500" cx="9144000"/>
   <p:notesSz cx="6858000" cy="9144000"/>
   <p:embeddedFontLst>
     <p:embeddedFont>
       <p:font typeface="Anaheim"/>
-      <p:regular r:id="rId31"/>
+      <p:regular r:id="rId36"/>
     </p:embeddedFont>
     <p:embeddedFont>
       <p:font typeface="Barlow Condensed ExtraBold"/>
-      <p:bold r:id="rId32"/>
-      <p:boldItalic r:id="rId33"/>
+      <p:bold r:id="rId37"/>
+      <p:boldItalic r:id="rId38"/>
     </p:embeddedFont>
     <p:embeddedFont>
       <p:font typeface="Overpass Mono"/>
-      <p:regular r:id="rId34"/>
-      <p:bold r:id="rId35"/>
+      <p:regular r:id="rId39"/>
+      <p:bold r:id="rId40"/>
     </p:embeddedFont>
     <p:embeddedFont>
       <p:font typeface="Barlow"/>
-      <p:regular r:id="rId36"/>
-      <p:bold r:id="rId37"/>
-      <p:italic r:id="rId38"/>
-      <p:boldItalic r:id="rId39"/>
+      <p:regular r:id="rId41"/>
+      <p:bold r:id="rId42"/>
+      <p:italic r:id="rId43"/>
+      <p:boldItalic r:id="rId44"/>
     </p:embeddedFont>
   </p:embeddedFontLst>
   <p:defaultTextStyle>
@@ -2519,7 +2524,7 @@
       </p:grpSpPr>
       <p:sp>
         <p:nvSpPr>
-          <p:cNvPr id="729" name="Google Shape;729;g1483e2daadf_0_750:notes"/>
+          <p:cNvPr id="729" name="Google Shape;729;g1487da1a4d6_0_92:notes"/>
           <p:cNvSpPr/>
           <p:nvPr>
             <p:ph idx="2" type="sldImg"/>
@@ -2554,7 +2559,304 @@
       </p:sp>
       <p:sp>
         <p:nvSpPr>
-          <p:cNvPr id="730" name="Google Shape;730;g1483e2daadf_0_750:notes"/>
+          <p:cNvPr id="730" name="Google Shape;730;g1487da1a4d6_0_92:notes"/>
+          <p:cNvSpPr txBox="1"/>
+          <p:nvPr>
+            <p:ph idx="1" type="body"/>
+          </p:nvPr>
+        </p:nvSpPr>
+        <p:spPr>
+          <a:xfrm>
+            <a:off x="685800" y="4343400"/>
+            <a:ext cx="5486400" cy="4114800"/>
+          </a:xfrm>
+          <a:prstGeom prst="rect">
+            <a:avLst/>
+          </a:prstGeom>
+        </p:spPr>
+        <p:txBody>
+          <a:bodyPr anchorCtr="0" anchor="t" bIns="91425" lIns="91425" spcFirstLastPara="1" rIns="91425" wrap="square" tIns="91425">
+            <a:noAutofit/>
+          </a:bodyPr>
+          <a:lstStyle/>
+          <a:p>
+            <a:pPr indent="0" lvl="0" marL="0" rtl="0" algn="l">
+              <a:spcBef>
+                <a:spcPts val="0"/>
+              </a:spcBef>
+              <a:spcAft>
+                <a:spcPts val="0"/>
+              </a:spcAft>
+              <a:buNone/>
+            </a:pPr>
+            <a:r>
+              <a:t/>
+            </a:r>
+            <a:endParaRPr/>
+          </a:p>
+        </p:txBody>
+      </p:sp>
+    </p:spTree>
+  </p:cSld>
+  <p:clrMapOvr>
+    <a:masterClrMapping/>
+  </p:clrMapOvr>
+</p:notes>
+</file>
+
+<file path=ppt/notesSlides/notesSlide27.xml><?xml version="1.0" encoding="utf-8"?>
+<p:notes xmlns:a="http://schemas.openxmlformats.org/drawingml/2006/main" xmlns:r="http://schemas.openxmlformats.org/officeDocument/2006/relationships" xmlns:mc="http://schemas.openxmlformats.org/markup-compatibility/2006" xmlns:mv="urn:schemas-microsoft-com:mac:vml" xmlns:p="http://schemas.openxmlformats.org/presentationml/2006/main" xmlns:c="http://schemas.openxmlformats.org/drawingml/2006/chart" xmlns:dgm="http://schemas.openxmlformats.org/drawingml/2006/diagram" xmlns:o="urn:schemas-microsoft-com:office:office" xmlns:v="urn:schemas-microsoft-com:vml" xmlns:pvml="urn:schemas-microsoft-com:office:powerpoint" xmlns:com="http://schemas.openxmlformats.org/drawingml/2006/compatibility" xmlns:p14="http://schemas.microsoft.com/office/powerpoint/2010/main" xmlns:p15="http://schemas.microsoft.com/office/powerpoint/2012/main" xmlns:ahyp="http://schemas.microsoft.com/office/drawing/2018/hyperlinkcolor" showMasterPhAnim="0" showMasterSp="0">
+  <p:cSld>
+    <p:spTree>
+      <p:nvGrpSpPr>
+        <p:cNvPr id="733" name="Shape 733"/>
+        <p:cNvGrpSpPr/>
+        <p:nvPr/>
+      </p:nvGrpSpPr>
+      <p:grpSpPr>
+        <a:xfrm>
+          <a:off x="0" y="0"/>
+          <a:ext cx="0" cy="0"/>
+          <a:chOff x="0" y="0"/>
+          <a:chExt cx="0" cy="0"/>
+        </a:xfrm>
+      </p:grpSpPr>
+      <p:sp>
+        <p:nvSpPr>
+          <p:cNvPr id="734" name="Google Shape;734;g1487da1a4d6_0_0:notes"/>
+          <p:cNvSpPr/>
+          <p:nvPr>
+            <p:ph idx="2" type="sldImg"/>
+          </p:nvPr>
+        </p:nvSpPr>
+        <p:spPr>
+          <a:xfrm>
+            <a:off x="381300" y="685800"/>
+            <a:ext cx="6096000" cy="3429000"/>
+          </a:xfrm>
+          <a:custGeom>
+            <a:rect b="b" l="l" r="r" t="t"/>
+            <a:pathLst>
+              <a:path extrusionOk="0" h="120000" w="120000">
+                <a:moveTo>
+                  <a:pt x="0" y="0"/>
+                </a:moveTo>
+                <a:lnTo>
+                  <a:pt x="120000" y="0"/>
+                </a:lnTo>
+                <a:lnTo>
+                  <a:pt x="120000" y="120000"/>
+                </a:lnTo>
+                <a:lnTo>
+                  <a:pt x="0" y="120000"/>
+                </a:lnTo>
+                <a:close/>
+              </a:path>
+            </a:pathLst>
+          </a:custGeom>
+        </p:spPr>
+      </p:sp>
+      <p:sp>
+        <p:nvSpPr>
+          <p:cNvPr id="735" name="Google Shape;735;g1487da1a4d6_0_0:notes"/>
+          <p:cNvSpPr txBox="1"/>
+          <p:nvPr>
+            <p:ph idx="1" type="body"/>
+          </p:nvPr>
+        </p:nvSpPr>
+        <p:spPr>
+          <a:xfrm>
+            <a:off x="685800" y="4343400"/>
+            <a:ext cx="5486400" cy="4114800"/>
+          </a:xfrm>
+          <a:prstGeom prst="rect">
+            <a:avLst/>
+          </a:prstGeom>
+        </p:spPr>
+        <p:txBody>
+          <a:bodyPr anchorCtr="0" anchor="t" bIns="91425" lIns="91425" spcFirstLastPara="1" rIns="91425" wrap="square" tIns="91425">
+            <a:noAutofit/>
+          </a:bodyPr>
+          <a:lstStyle/>
+          <a:p>
+            <a:pPr indent="0" lvl="0" marL="0" rtl="0" algn="l">
+              <a:spcBef>
+                <a:spcPts val="0"/>
+              </a:spcBef>
+              <a:spcAft>
+                <a:spcPts val="0"/>
+              </a:spcAft>
+              <a:buNone/>
+            </a:pPr>
+            <a:r>
+              <a:t/>
+            </a:r>
+            <a:endParaRPr/>
+          </a:p>
+        </p:txBody>
+      </p:sp>
+    </p:spTree>
+  </p:cSld>
+  <p:clrMapOvr>
+    <a:masterClrMapping/>
+  </p:clrMapOvr>
+</p:notes>
+</file>
+
+<file path=ppt/notesSlides/notesSlide28.xml><?xml version="1.0" encoding="utf-8"?>
+<p:notes xmlns:a="http://schemas.openxmlformats.org/drawingml/2006/main" xmlns:r="http://schemas.openxmlformats.org/officeDocument/2006/relationships" xmlns:mc="http://schemas.openxmlformats.org/markup-compatibility/2006" xmlns:mv="urn:schemas-microsoft-com:mac:vml" xmlns:p="http://schemas.openxmlformats.org/presentationml/2006/main" xmlns:c="http://schemas.openxmlformats.org/drawingml/2006/chart" xmlns:dgm="http://schemas.openxmlformats.org/drawingml/2006/diagram" xmlns:o="urn:schemas-microsoft-com:office:office" xmlns:v="urn:schemas-microsoft-com:vml" xmlns:pvml="urn:schemas-microsoft-com:office:powerpoint" xmlns:com="http://schemas.openxmlformats.org/drawingml/2006/compatibility" xmlns:p14="http://schemas.microsoft.com/office/powerpoint/2010/main" xmlns:p15="http://schemas.microsoft.com/office/powerpoint/2012/main" xmlns:ahyp="http://schemas.microsoft.com/office/drawing/2018/hyperlinkcolor" showMasterPhAnim="0" showMasterSp="0">
+  <p:cSld>
+    <p:spTree>
+      <p:nvGrpSpPr>
+        <p:cNvPr id="738" name="Shape 738"/>
+        <p:cNvGrpSpPr/>
+        <p:nvPr/>
+      </p:nvGrpSpPr>
+      <p:grpSpPr>
+        <a:xfrm>
+          <a:off x="0" y="0"/>
+          <a:ext cx="0" cy="0"/>
+          <a:chOff x="0" y="0"/>
+          <a:chExt cx="0" cy="0"/>
+        </a:xfrm>
+      </p:grpSpPr>
+      <p:sp>
+        <p:nvSpPr>
+          <p:cNvPr id="739" name="Google Shape;739;g1487da1a4d6_0_4:notes"/>
+          <p:cNvSpPr/>
+          <p:nvPr>
+            <p:ph idx="2" type="sldImg"/>
+          </p:nvPr>
+        </p:nvSpPr>
+        <p:spPr>
+          <a:xfrm>
+            <a:off x="381300" y="685800"/>
+            <a:ext cx="6096000" cy="3429000"/>
+          </a:xfrm>
+          <a:custGeom>
+            <a:rect b="b" l="l" r="r" t="t"/>
+            <a:pathLst>
+              <a:path extrusionOk="0" h="120000" w="120000">
+                <a:moveTo>
+                  <a:pt x="0" y="0"/>
+                </a:moveTo>
+                <a:lnTo>
+                  <a:pt x="120000" y="0"/>
+                </a:lnTo>
+                <a:lnTo>
+                  <a:pt x="120000" y="120000"/>
+                </a:lnTo>
+                <a:lnTo>
+                  <a:pt x="0" y="120000"/>
+                </a:lnTo>
+                <a:close/>
+              </a:path>
+            </a:pathLst>
+          </a:custGeom>
+        </p:spPr>
+      </p:sp>
+      <p:sp>
+        <p:nvSpPr>
+          <p:cNvPr id="740" name="Google Shape;740;g1487da1a4d6_0_4:notes"/>
+          <p:cNvSpPr txBox="1"/>
+          <p:nvPr>
+            <p:ph idx="1" type="body"/>
+          </p:nvPr>
+        </p:nvSpPr>
+        <p:spPr>
+          <a:xfrm>
+            <a:off x="685800" y="4343400"/>
+            <a:ext cx="5486400" cy="4114800"/>
+          </a:xfrm>
+          <a:prstGeom prst="rect">
+            <a:avLst/>
+          </a:prstGeom>
+        </p:spPr>
+        <p:txBody>
+          <a:bodyPr anchorCtr="0" anchor="t" bIns="91425" lIns="91425" spcFirstLastPara="1" rIns="91425" wrap="square" tIns="91425">
+            <a:noAutofit/>
+          </a:bodyPr>
+          <a:lstStyle/>
+          <a:p>
+            <a:pPr indent="0" lvl="0" marL="0" rtl="0" algn="l">
+              <a:spcBef>
+                <a:spcPts val="0"/>
+              </a:spcBef>
+              <a:spcAft>
+                <a:spcPts val="0"/>
+              </a:spcAft>
+              <a:buNone/>
+            </a:pPr>
+            <a:r>
+              <a:t/>
+            </a:r>
+            <a:endParaRPr/>
+          </a:p>
+        </p:txBody>
+      </p:sp>
+    </p:spTree>
+  </p:cSld>
+  <p:clrMapOvr>
+    <a:masterClrMapping/>
+  </p:clrMapOvr>
+</p:notes>
+</file>
+
+<file path=ppt/notesSlides/notesSlide29.xml><?xml version="1.0" encoding="utf-8"?>
+<p:notes xmlns:a="http://schemas.openxmlformats.org/drawingml/2006/main" xmlns:r="http://schemas.openxmlformats.org/officeDocument/2006/relationships" xmlns:mc="http://schemas.openxmlformats.org/markup-compatibility/2006" xmlns:mv="urn:schemas-microsoft-com:mac:vml" xmlns:p="http://schemas.openxmlformats.org/presentationml/2006/main" xmlns:c="http://schemas.openxmlformats.org/drawingml/2006/chart" xmlns:dgm="http://schemas.openxmlformats.org/drawingml/2006/diagram" xmlns:o="urn:schemas-microsoft-com:office:office" xmlns:v="urn:schemas-microsoft-com:vml" xmlns:pvml="urn:schemas-microsoft-com:office:powerpoint" xmlns:com="http://schemas.openxmlformats.org/drawingml/2006/compatibility" xmlns:p14="http://schemas.microsoft.com/office/powerpoint/2010/main" xmlns:p15="http://schemas.microsoft.com/office/powerpoint/2012/main" xmlns:ahyp="http://schemas.microsoft.com/office/drawing/2018/hyperlinkcolor" showMasterPhAnim="0" showMasterSp="0">
+  <p:cSld>
+    <p:spTree>
+      <p:nvGrpSpPr>
+        <p:cNvPr id="744" name="Shape 744"/>
+        <p:cNvGrpSpPr/>
+        <p:nvPr/>
+      </p:nvGrpSpPr>
+      <p:grpSpPr>
+        <a:xfrm>
+          <a:off x="0" y="0"/>
+          <a:ext cx="0" cy="0"/>
+          <a:chOff x="0" y="0"/>
+          <a:chExt cx="0" cy="0"/>
+        </a:xfrm>
+      </p:grpSpPr>
+      <p:sp>
+        <p:nvSpPr>
+          <p:cNvPr id="745" name="Google Shape;745;g1487da1a4d6_0_9:notes"/>
+          <p:cNvSpPr/>
+          <p:nvPr>
+            <p:ph idx="2" type="sldImg"/>
+          </p:nvPr>
+        </p:nvSpPr>
+        <p:spPr>
+          <a:xfrm>
+            <a:off x="381300" y="685800"/>
+            <a:ext cx="6096000" cy="3429000"/>
+          </a:xfrm>
+          <a:custGeom>
+            <a:rect b="b" l="l" r="r" t="t"/>
+            <a:pathLst>
+              <a:path extrusionOk="0" h="120000" w="120000">
+                <a:moveTo>
+                  <a:pt x="0" y="0"/>
+                </a:moveTo>
+                <a:lnTo>
+                  <a:pt x="120000" y="0"/>
+                </a:lnTo>
+                <a:lnTo>
+                  <a:pt x="120000" y="120000"/>
+                </a:lnTo>
+                <a:lnTo>
+                  <a:pt x="0" y="120000"/>
+                </a:lnTo>
+                <a:close/>
+              </a:path>
+            </a:pathLst>
+          </a:custGeom>
+        </p:spPr>
+      </p:sp>
+      <p:sp>
+        <p:nvSpPr>
+          <p:cNvPr id="746" name="Google Shape;746;g1487da1a4d6_0_9:notes"/>
           <p:cNvSpPr txBox="1"/>
           <p:nvPr>
             <p:ph idx="1" type="body"/>
@@ -2654,6 +2956,204 @@
       <p:sp>
         <p:nvSpPr>
           <p:cNvPr id="348" name="Google Shape;348;g8b9fd0675c_0_4:notes"/>
+          <p:cNvSpPr txBox="1"/>
+          <p:nvPr>
+            <p:ph idx="1" type="body"/>
+          </p:nvPr>
+        </p:nvSpPr>
+        <p:spPr>
+          <a:xfrm>
+            <a:off x="685800" y="4343400"/>
+            <a:ext cx="5486400" cy="4114800"/>
+          </a:xfrm>
+          <a:prstGeom prst="rect">
+            <a:avLst/>
+          </a:prstGeom>
+        </p:spPr>
+        <p:txBody>
+          <a:bodyPr anchorCtr="0" anchor="t" bIns="91425" lIns="91425" spcFirstLastPara="1" rIns="91425" wrap="square" tIns="91425">
+            <a:noAutofit/>
+          </a:bodyPr>
+          <a:lstStyle/>
+          <a:p>
+            <a:pPr indent="0" lvl="0" marL="0" rtl="0" algn="l">
+              <a:spcBef>
+                <a:spcPts val="0"/>
+              </a:spcBef>
+              <a:spcAft>
+                <a:spcPts val="0"/>
+              </a:spcAft>
+              <a:buNone/>
+            </a:pPr>
+            <a:r>
+              <a:t/>
+            </a:r>
+            <a:endParaRPr/>
+          </a:p>
+        </p:txBody>
+      </p:sp>
+    </p:spTree>
+  </p:cSld>
+  <p:clrMapOvr>
+    <a:masterClrMapping/>
+  </p:clrMapOvr>
+</p:notes>
+</file>
+
+<file path=ppt/notesSlides/notesSlide30.xml><?xml version="1.0" encoding="utf-8"?>
+<p:notes xmlns:a="http://schemas.openxmlformats.org/drawingml/2006/main" xmlns:r="http://schemas.openxmlformats.org/officeDocument/2006/relationships" xmlns:mc="http://schemas.openxmlformats.org/markup-compatibility/2006" xmlns:mv="urn:schemas-microsoft-com:mac:vml" xmlns:p="http://schemas.openxmlformats.org/presentationml/2006/main" xmlns:c="http://schemas.openxmlformats.org/drawingml/2006/chart" xmlns:dgm="http://schemas.openxmlformats.org/drawingml/2006/diagram" xmlns:o="urn:schemas-microsoft-com:office:office" xmlns:v="urn:schemas-microsoft-com:vml" xmlns:pvml="urn:schemas-microsoft-com:office:powerpoint" xmlns:com="http://schemas.openxmlformats.org/drawingml/2006/compatibility" xmlns:p14="http://schemas.microsoft.com/office/powerpoint/2010/main" xmlns:p15="http://schemas.microsoft.com/office/powerpoint/2012/main" xmlns:ahyp="http://schemas.microsoft.com/office/drawing/2018/hyperlinkcolor" showMasterPhAnim="0" showMasterSp="0">
+  <p:cSld>
+    <p:spTree>
+      <p:nvGrpSpPr>
+        <p:cNvPr id="767" name="Shape 767"/>
+        <p:cNvGrpSpPr/>
+        <p:nvPr/>
+      </p:nvGrpSpPr>
+      <p:grpSpPr>
+        <a:xfrm>
+          <a:off x="0" y="0"/>
+          <a:ext cx="0" cy="0"/>
+          <a:chOff x="0" y="0"/>
+          <a:chExt cx="0" cy="0"/>
+        </a:xfrm>
+      </p:grpSpPr>
+      <p:sp>
+        <p:nvSpPr>
+          <p:cNvPr id="768" name="Google Shape;768;g1487da1a4d6_0_32:notes"/>
+          <p:cNvSpPr/>
+          <p:nvPr>
+            <p:ph idx="2" type="sldImg"/>
+          </p:nvPr>
+        </p:nvSpPr>
+        <p:spPr>
+          <a:xfrm>
+            <a:off x="381300" y="685800"/>
+            <a:ext cx="6096000" cy="3429000"/>
+          </a:xfrm>
+          <a:custGeom>
+            <a:rect b="b" l="l" r="r" t="t"/>
+            <a:pathLst>
+              <a:path extrusionOk="0" h="120000" w="120000">
+                <a:moveTo>
+                  <a:pt x="0" y="0"/>
+                </a:moveTo>
+                <a:lnTo>
+                  <a:pt x="120000" y="0"/>
+                </a:lnTo>
+                <a:lnTo>
+                  <a:pt x="120000" y="120000"/>
+                </a:lnTo>
+                <a:lnTo>
+                  <a:pt x="0" y="120000"/>
+                </a:lnTo>
+                <a:close/>
+              </a:path>
+            </a:pathLst>
+          </a:custGeom>
+        </p:spPr>
+      </p:sp>
+      <p:sp>
+        <p:nvSpPr>
+          <p:cNvPr id="769" name="Google Shape;769;g1487da1a4d6_0_32:notes"/>
+          <p:cNvSpPr txBox="1"/>
+          <p:nvPr>
+            <p:ph idx="1" type="body"/>
+          </p:nvPr>
+        </p:nvSpPr>
+        <p:spPr>
+          <a:xfrm>
+            <a:off x="685800" y="4343400"/>
+            <a:ext cx="5486400" cy="4114800"/>
+          </a:xfrm>
+          <a:prstGeom prst="rect">
+            <a:avLst/>
+          </a:prstGeom>
+        </p:spPr>
+        <p:txBody>
+          <a:bodyPr anchorCtr="0" anchor="t" bIns="91425" lIns="91425" spcFirstLastPara="1" rIns="91425" wrap="square" tIns="91425">
+            <a:noAutofit/>
+          </a:bodyPr>
+          <a:lstStyle/>
+          <a:p>
+            <a:pPr indent="0" lvl="0" marL="0" rtl="0" algn="l">
+              <a:spcBef>
+                <a:spcPts val="0"/>
+              </a:spcBef>
+              <a:spcAft>
+                <a:spcPts val="0"/>
+              </a:spcAft>
+              <a:buNone/>
+            </a:pPr>
+            <a:r>
+              <a:t/>
+            </a:r>
+            <a:endParaRPr/>
+          </a:p>
+        </p:txBody>
+      </p:sp>
+    </p:spTree>
+  </p:cSld>
+  <p:clrMapOvr>
+    <a:masterClrMapping/>
+  </p:clrMapOvr>
+</p:notes>
+</file>
+
+<file path=ppt/notesSlides/notesSlide31.xml><?xml version="1.0" encoding="utf-8"?>
+<p:notes xmlns:a="http://schemas.openxmlformats.org/drawingml/2006/main" xmlns:r="http://schemas.openxmlformats.org/officeDocument/2006/relationships" xmlns:mc="http://schemas.openxmlformats.org/markup-compatibility/2006" xmlns:mv="urn:schemas-microsoft-com:mac:vml" xmlns:p="http://schemas.openxmlformats.org/presentationml/2006/main" xmlns:c="http://schemas.openxmlformats.org/drawingml/2006/chart" xmlns:dgm="http://schemas.openxmlformats.org/drawingml/2006/diagram" xmlns:o="urn:schemas-microsoft-com:office:office" xmlns:v="urn:schemas-microsoft-com:vml" xmlns:pvml="urn:schemas-microsoft-com:office:powerpoint" xmlns:com="http://schemas.openxmlformats.org/drawingml/2006/compatibility" xmlns:p14="http://schemas.microsoft.com/office/powerpoint/2010/main" xmlns:p15="http://schemas.microsoft.com/office/powerpoint/2012/main" xmlns:ahyp="http://schemas.microsoft.com/office/drawing/2018/hyperlinkcolor" showMasterPhAnim="0" showMasterSp="0">
+  <p:cSld>
+    <p:spTree>
+      <p:nvGrpSpPr>
+        <p:cNvPr id="797" name="Shape 797"/>
+        <p:cNvGrpSpPr/>
+        <p:nvPr/>
+      </p:nvGrpSpPr>
+      <p:grpSpPr>
+        <a:xfrm>
+          <a:off x="0" y="0"/>
+          <a:ext cx="0" cy="0"/>
+          <a:chOff x="0" y="0"/>
+          <a:chExt cx="0" cy="0"/>
+        </a:xfrm>
+      </p:grpSpPr>
+      <p:sp>
+        <p:nvSpPr>
+          <p:cNvPr id="798" name="Google Shape;798;g1483e2daadf_0_750:notes"/>
+          <p:cNvSpPr/>
+          <p:nvPr>
+            <p:ph idx="2" type="sldImg"/>
+          </p:nvPr>
+        </p:nvSpPr>
+        <p:spPr>
+          <a:xfrm>
+            <a:off x="381300" y="685800"/>
+            <a:ext cx="6096000" cy="3429000"/>
+          </a:xfrm>
+          <a:custGeom>
+            <a:rect b="b" l="l" r="r" t="t"/>
+            <a:pathLst>
+              <a:path extrusionOk="0" h="120000" w="120000">
+                <a:moveTo>
+                  <a:pt x="0" y="0"/>
+                </a:moveTo>
+                <a:lnTo>
+                  <a:pt x="120000" y="0"/>
+                </a:lnTo>
+                <a:lnTo>
+                  <a:pt x="120000" y="120000"/>
+                </a:lnTo>
+                <a:lnTo>
+                  <a:pt x="0" y="120000"/>
+                </a:lnTo>
+                <a:close/>
+              </a:path>
+            </a:pathLst>
+          </a:custGeom>
+        </p:spPr>
+      </p:sp>
+      <p:sp>
+        <p:nvSpPr>
+          <p:cNvPr id="799" name="Google Shape;799;g1483e2daadf_0_750:notes"/>
           <p:cNvSpPr txBox="1"/>
           <p:nvPr>
             <p:ph idx="1" type="body"/>
@@ -38436,8 +38936,8 @@
         </p:nvSpPr>
         <p:spPr>
           <a:xfrm flipH="1">
-            <a:off x="4811775" y="3573485"/>
-            <a:ext cx="3807600" cy="1027200"/>
+            <a:off x="4811775" y="3573480"/>
+            <a:ext cx="3807600" cy="545400"/>
           </a:xfrm>
           <a:prstGeom prst="rect">
             <a:avLst/>
@@ -38449,7 +38949,7 @@
           </a:bodyPr>
           <a:lstStyle/>
           <a:p>
-            <a:pPr indent="0" lvl="0" marL="0" rtl="0" algn="r">
+            <a:pPr indent="0" lvl="0" marL="0" rtl="0" algn="ctr">
               <a:spcBef>
                 <a:spcPts val="0"/>
               </a:spcBef>
@@ -38460,7 +38960,7 @@
             </a:pPr>
             <a:r>
               <a:rPr lang="en"/>
-              <a:t>Using Priority Queue</a:t>
+              <a:t>HashSet&lt;T&gt;</a:t>
             </a:r>
             <a:endParaRPr/>
           </a:p>
@@ -43845,8 +44345,8 @@
         </p:nvSpPr>
         <p:spPr>
           <a:xfrm>
-            <a:off x="2951850" y="700250"/>
-            <a:ext cx="3240300" cy="669000"/>
+            <a:off x="1438800" y="905800"/>
+            <a:ext cx="6588000" cy="1796700"/>
           </a:xfrm>
           <a:prstGeom prst="rect">
             <a:avLst/>
@@ -43869,6 +44369,2963 @@
             </a:pPr>
             <a:r>
               <a:rPr lang="en"/>
+              <a:t>PriorityQueue&lt;TElement,TPriority&gt;.UnorderedItemsCollection Class</a:t>
+            </a:r>
+            <a:endParaRPr/>
+          </a:p>
+        </p:txBody>
+      </p:sp>
+    </p:spTree>
+  </p:cSld>
+  <p:clrMapOvr>
+    <a:masterClrMapping/>
+  </p:clrMapOvr>
+</p:sld>
+</file>
+
+<file path=ppt/slides/slide27.xml><?xml version="1.0" encoding="utf-8"?>
+<p:sld xmlns:a="http://schemas.openxmlformats.org/drawingml/2006/main" xmlns:r="http://schemas.openxmlformats.org/officeDocument/2006/relationships" xmlns:mc="http://schemas.openxmlformats.org/markup-compatibility/2006" xmlns:mv="urn:schemas-microsoft-com:mac:vml" xmlns:p="http://schemas.openxmlformats.org/presentationml/2006/main" xmlns:c="http://schemas.openxmlformats.org/drawingml/2006/chart" xmlns:dgm="http://schemas.openxmlformats.org/drawingml/2006/diagram" xmlns:o="urn:schemas-microsoft-com:office:office" xmlns:v="urn:schemas-microsoft-com:vml" xmlns:pvml="urn:schemas-microsoft-com:office:powerpoint" xmlns:com="http://schemas.openxmlformats.org/drawingml/2006/compatibility" xmlns:p14="http://schemas.microsoft.com/office/powerpoint/2010/main" xmlns:p15="http://schemas.microsoft.com/office/powerpoint/2012/main" xmlns:ahyp="http://schemas.microsoft.com/office/drawing/2018/hyperlinkcolor">
+  <p:cSld>
+    <p:spTree>
+      <p:nvGrpSpPr>
+        <p:cNvPr id="736" name="Shape 736"/>
+        <p:cNvGrpSpPr/>
+        <p:nvPr/>
+      </p:nvGrpSpPr>
+      <p:grpSpPr>
+        <a:xfrm>
+          <a:off x="0" y="0"/>
+          <a:ext cx="0" cy="0"/>
+          <a:chOff x="0" y="0"/>
+          <a:chExt cx="0" cy="0"/>
+        </a:xfrm>
+      </p:grpSpPr>
+      <p:sp>
+        <p:nvSpPr>
+          <p:cNvPr id="737" name="Google Shape;737;p51"/>
+          <p:cNvSpPr txBox="1"/>
+          <p:nvPr>
+            <p:ph type="title"/>
+          </p:nvPr>
+        </p:nvSpPr>
+        <p:spPr>
+          <a:xfrm>
+            <a:off x="1448825" y="2392575"/>
+            <a:ext cx="6588000" cy="669000"/>
+          </a:xfrm>
+          <a:prstGeom prst="rect">
+            <a:avLst/>
+          </a:prstGeom>
+        </p:spPr>
+        <p:txBody>
+          <a:bodyPr anchorCtr="0" anchor="t" bIns="91425" lIns="91425" spcFirstLastPara="1" rIns="91425" wrap="square" tIns="91425">
+            <a:noAutofit/>
+          </a:bodyPr>
+          <a:lstStyle/>
+          <a:p>
+            <a:pPr indent="0" lvl="0" marL="0" rtl="0" algn="ctr">
+              <a:spcBef>
+                <a:spcPts val="0"/>
+              </a:spcBef>
+              <a:spcAft>
+                <a:spcPts val="0"/>
+              </a:spcAft>
+              <a:buNone/>
+            </a:pPr>
+            <a:r>
+              <a:rPr lang="en"/>
+              <a:t>HashSet&lt;T&gt;</a:t>
+            </a:r>
+            <a:endParaRPr/>
+          </a:p>
+        </p:txBody>
+      </p:sp>
+    </p:spTree>
+  </p:cSld>
+  <p:clrMapOvr>
+    <a:masterClrMapping/>
+  </p:clrMapOvr>
+</p:sld>
+</file>
+
+<file path=ppt/slides/slide28.xml><?xml version="1.0" encoding="utf-8"?>
+<p:sld xmlns:a="http://schemas.openxmlformats.org/drawingml/2006/main" xmlns:r="http://schemas.openxmlformats.org/officeDocument/2006/relationships" xmlns:mc="http://schemas.openxmlformats.org/markup-compatibility/2006" xmlns:mv="urn:schemas-microsoft-com:mac:vml" xmlns:p="http://schemas.openxmlformats.org/presentationml/2006/main" xmlns:c="http://schemas.openxmlformats.org/drawingml/2006/chart" xmlns:dgm="http://schemas.openxmlformats.org/drawingml/2006/diagram" xmlns:o="urn:schemas-microsoft-com:office:office" xmlns:v="urn:schemas-microsoft-com:vml" xmlns:pvml="urn:schemas-microsoft-com:office:powerpoint" xmlns:com="http://schemas.openxmlformats.org/drawingml/2006/compatibility" xmlns:p14="http://schemas.microsoft.com/office/powerpoint/2010/main" xmlns:p15="http://schemas.microsoft.com/office/powerpoint/2012/main" xmlns:ahyp="http://schemas.microsoft.com/office/drawing/2018/hyperlinkcolor">
+  <p:cSld>
+    <p:spTree>
+      <p:nvGrpSpPr>
+        <p:cNvPr id="741" name="Shape 741"/>
+        <p:cNvGrpSpPr/>
+        <p:nvPr/>
+      </p:nvGrpSpPr>
+      <p:grpSpPr>
+        <a:xfrm>
+          <a:off x="0" y="0"/>
+          <a:ext cx="0" cy="0"/>
+          <a:chOff x="0" y="0"/>
+          <a:chExt cx="0" cy="0"/>
+        </a:xfrm>
+      </p:grpSpPr>
+      <p:sp>
+        <p:nvSpPr>
+          <p:cNvPr id="742" name="Google Shape;742;p52"/>
+          <p:cNvSpPr txBox="1"/>
+          <p:nvPr>
+            <p:ph idx="1" type="body"/>
+          </p:nvPr>
+        </p:nvSpPr>
+        <p:spPr>
+          <a:xfrm>
+            <a:off x="4579525" y="2388200"/>
+            <a:ext cx="3932700" cy="2130900"/>
+          </a:xfrm>
+          <a:prstGeom prst="rect">
+            <a:avLst/>
+          </a:prstGeom>
+        </p:spPr>
+        <p:txBody>
+          <a:bodyPr anchorCtr="0" anchor="t" bIns="91425" lIns="91425" spcFirstLastPara="1" rIns="91425" wrap="square" tIns="91425">
+            <a:noAutofit/>
+          </a:bodyPr>
+          <a:lstStyle/>
+          <a:p>
+            <a:pPr indent="0" lvl="0" marL="0" rtl="0" algn="r">
+              <a:spcBef>
+                <a:spcPts val="0"/>
+              </a:spcBef>
+              <a:spcAft>
+                <a:spcPts val="0"/>
+              </a:spcAft>
+              <a:buNone/>
+            </a:pPr>
+            <a:r>
+              <a:rPr lang="en"/>
+              <a:t>Enumerates the contents of a PriorityQueue&lt;TElement,TPriority&gt;, without any ordering guarantees</a:t>
+            </a:r>
+            <a:endParaRPr/>
+          </a:p>
+        </p:txBody>
+      </p:sp>
+      <p:sp>
+        <p:nvSpPr>
+          <p:cNvPr id="743" name="Google Shape;743;p52"/>
+          <p:cNvSpPr txBox="1"/>
+          <p:nvPr>
+            <p:ph type="title"/>
+          </p:nvPr>
+        </p:nvSpPr>
+        <p:spPr>
+          <a:xfrm>
+            <a:off x="4127475" y="884025"/>
+            <a:ext cx="3963300" cy="944400"/>
+          </a:xfrm>
+          <a:prstGeom prst="rect">
+            <a:avLst/>
+          </a:prstGeom>
+        </p:spPr>
+        <p:txBody>
+          <a:bodyPr anchorCtr="0" anchor="t" bIns="91425" lIns="91425" spcFirstLastPara="1" rIns="91425" wrap="square" tIns="91425">
+            <a:noAutofit/>
+          </a:bodyPr>
+          <a:lstStyle/>
+          <a:p>
+            <a:pPr indent="0" lvl="0" marL="0" rtl="0" algn="r">
+              <a:spcBef>
+                <a:spcPts val="0"/>
+              </a:spcBef>
+              <a:spcAft>
+                <a:spcPts val="0"/>
+              </a:spcAft>
+              <a:buNone/>
+            </a:pPr>
+            <a:r>
+              <a:rPr lang="en"/>
+              <a:t>About content </a:t>
+            </a:r>
+            <a:endParaRPr/>
+          </a:p>
+        </p:txBody>
+      </p:sp>
+    </p:spTree>
+  </p:cSld>
+  <p:clrMapOvr>
+    <a:masterClrMapping/>
+  </p:clrMapOvr>
+</p:sld>
+</file>
+
+<file path=ppt/slides/slide29.xml><?xml version="1.0" encoding="utf-8"?>
+<p:sld xmlns:a="http://schemas.openxmlformats.org/drawingml/2006/main" xmlns:r="http://schemas.openxmlformats.org/officeDocument/2006/relationships" xmlns:mc="http://schemas.openxmlformats.org/markup-compatibility/2006" xmlns:mv="urn:schemas-microsoft-com:mac:vml" xmlns:p="http://schemas.openxmlformats.org/presentationml/2006/main" xmlns:c="http://schemas.openxmlformats.org/drawingml/2006/chart" xmlns:dgm="http://schemas.openxmlformats.org/drawingml/2006/diagram" xmlns:o="urn:schemas-microsoft-com:office:office" xmlns:v="urn:schemas-microsoft-com:vml" xmlns:pvml="urn:schemas-microsoft-com:office:powerpoint" xmlns:com="http://schemas.openxmlformats.org/drawingml/2006/compatibility" xmlns:p14="http://schemas.microsoft.com/office/powerpoint/2010/main" xmlns:p15="http://schemas.microsoft.com/office/powerpoint/2012/main" xmlns:ahyp="http://schemas.microsoft.com/office/drawing/2018/hyperlinkcolor">
+  <p:cSld>
+    <p:spTree>
+      <p:nvGrpSpPr>
+        <p:cNvPr id="747" name="Shape 747"/>
+        <p:cNvGrpSpPr/>
+        <p:nvPr/>
+      </p:nvGrpSpPr>
+      <p:grpSpPr>
+        <a:xfrm>
+          <a:off x="0" y="0"/>
+          <a:ext cx="0" cy="0"/>
+          <a:chOff x="0" y="0"/>
+          <a:chExt cx="0" cy="0"/>
+        </a:xfrm>
+      </p:grpSpPr>
+      <p:sp>
+        <p:nvSpPr>
+          <p:cNvPr id="748" name="Google Shape;748;p53"/>
+          <p:cNvSpPr/>
+          <p:nvPr/>
+        </p:nvSpPr>
+        <p:spPr>
+          <a:xfrm>
+            <a:off x="0" y="2123344"/>
+            <a:ext cx="3504300" cy="1548300"/>
+          </a:xfrm>
+          <a:prstGeom prst="rect">
+            <a:avLst/>
+          </a:prstGeom>
+          <a:solidFill>
+            <a:schemeClr val="lt1"/>
+          </a:solidFill>
+          <a:ln>
+            <a:noFill/>
+          </a:ln>
+        </p:spPr>
+        <p:txBody>
+          <a:bodyPr anchorCtr="0" anchor="ctr" bIns="91425" lIns="91425" spcFirstLastPara="1" rIns="91425" wrap="square" tIns="91425">
+            <a:noAutofit/>
+          </a:bodyPr>
+          <a:lstStyle/>
+          <a:p>
+            <a:pPr indent="0" lvl="0" marL="0" rtl="0" algn="l">
+              <a:spcBef>
+                <a:spcPts val="0"/>
+              </a:spcBef>
+              <a:spcAft>
+                <a:spcPts val="0"/>
+              </a:spcAft>
+              <a:buNone/>
+            </a:pPr>
+            <a:r>
+              <a:t/>
+            </a:r>
+            <a:endParaRPr/>
+          </a:p>
+        </p:txBody>
+      </p:sp>
+      <p:sp>
+        <p:nvSpPr>
+          <p:cNvPr id="749" name="Google Shape;749;p53"/>
+          <p:cNvSpPr txBox="1"/>
+          <p:nvPr>
+            <p:ph type="title"/>
+          </p:nvPr>
+        </p:nvSpPr>
+        <p:spPr>
+          <a:xfrm>
+            <a:off x="1278050" y="343200"/>
+            <a:ext cx="6588000" cy="669000"/>
+          </a:xfrm>
+          <a:prstGeom prst="rect">
+            <a:avLst/>
+          </a:prstGeom>
+        </p:spPr>
+        <p:txBody>
+          <a:bodyPr anchorCtr="0" anchor="t" bIns="91425" lIns="91425" spcFirstLastPara="1" rIns="91425" wrap="square" tIns="91425">
+            <a:noAutofit/>
+          </a:bodyPr>
+          <a:lstStyle/>
+          <a:p>
+            <a:pPr indent="0" lvl="0" marL="0" rtl="0" algn="ctr">
+              <a:spcBef>
+                <a:spcPts val="0"/>
+              </a:spcBef>
+              <a:spcAft>
+                <a:spcPts val="0"/>
+              </a:spcAft>
+              <a:buNone/>
+            </a:pPr>
+            <a:r>
+              <a:rPr lang="en"/>
+              <a:t>Specs of Queue </a:t>
+            </a:r>
+            <a:endParaRPr/>
+          </a:p>
+        </p:txBody>
+      </p:sp>
+      <p:sp>
+        <p:nvSpPr>
+          <p:cNvPr id="750" name="Google Shape;750;p53"/>
+          <p:cNvSpPr txBox="1"/>
+          <p:nvPr>
+            <p:ph idx="4294967295" type="subTitle"/>
+          </p:nvPr>
+        </p:nvSpPr>
+        <p:spPr>
+          <a:xfrm flipH="1">
+            <a:off x="5339475" y="1459850"/>
+            <a:ext cx="2698800" cy="273000"/>
+          </a:xfrm>
+          <a:prstGeom prst="rect">
+            <a:avLst/>
+          </a:prstGeom>
+        </p:spPr>
+        <p:txBody>
+          <a:bodyPr anchorCtr="0" anchor="t" bIns="0" lIns="91425" spcFirstLastPara="1" rIns="91425" wrap="square" tIns="0">
+            <a:noAutofit/>
+          </a:bodyPr>
+          <a:lstStyle/>
+          <a:p>
+            <a:pPr indent="0" lvl="0" marL="0" rtl="0" algn="l">
+              <a:spcBef>
+                <a:spcPts val="0"/>
+              </a:spcBef>
+              <a:spcAft>
+                <a:spcPts val="1600"/>
+              </a:spcAft>
+              <a:buNone/>
+            </a:pPr>
+            <a:r>
+              <a:rPr lang="en" sz="1400"/>
+              <a:t>TElement</a:t>
+            </a:r>
+            <a:endParaRPr sz="1400"/>
+          </a:p>
+        </p:txBody>
+      </p:sp>
+      <p:sp>
+        <p:nvSpPr>
+          <p:cNvPr id="751" name="Google Shape;751;p53"/>
+          <p:cNvSpPr txBox="1"/>
+          <p:nvPr>
+            <p:ph idx="4294967295" type="subTitle"/>
+          </p:nvPr>
+        </p:nvSpPr>
+        <p:spPr>
+          <a:xfrm flipH="1">
+            <a:off x="5339450" y="2241450"/>
+            <a:ext cx="3711900" cy="274200"/>
+          </a:xfrm>
+          <a:prstGeom prst="rect">
+            <a:avLst/>
+          </a:prstGeom>
+        </p:spPr>
+        <p:txBody>
+          <a:bodyPr anchorCtr="0" anchor="t" bIns="0" lIns="91425" spcFirstLastPara="1" rIns="91425" wrap="square" tIns="0">
+            <a:noAutofit/>
+          </a:bodyPr>
+          <a:lstStyle/>
+          <a:p>
+            <a:pPr indent="0" lvl="0" marL="0" rtl="0" algn="l">
+              <a:spcBef>
+                <a:spcPts val="0"/>
+              </a:spcBef>
+              <a:spcAft>
+                <a:spcPts val="0"/>
+              </a:spcAft>
+              <a:buNone/>
+            </a:pPr>
+            <a:r>
+              <a:rPr lang="en" sz="1400"/>
+              <a:t>Tpriority</a:t>
+            </a:r>
+            <a:r>
+              <a:rPr lang="en" sz="1400"/>
+              <a:t> </a:t>
+            </a:r>
+            <a:endParaRPr sz="1400"/>
+          </a:p>
+          <a:p>
+            <a:pPr indent="0" lvl="0" marL="0" rtl="0" algn="l">
+              <a:spcBef>
+                <a:spcPts val="1600"/>
+              </a:spcBef>
+              <a:spcAft>
+                <a:spcPts val="0"/>
+              </a:spcAft>
+              <a:buNone/>
+            </a:pPr>
+            <a:r>
+              <a:t/>
+            </a:r>
+            <a:endParaRPr sz="1400"/>
+          </a:p>
+          <a:p>
+            <a:pPr indent="0" lvl="0" marL="0" rtl="0" algn="l">
+              <a:spcBef>
+                <a:spcPts val="1600"/>
+              </a:spcBef>
+              <a:spcAft>
+                <a:spcPts val="0"/>
+              </a:spcAft>
+              <a:buNone/>
+            </a:pPr>
+            <a:r>
+              <a:t/>
+            </a:r>
+            <a:endParaRPr sz="1400"/>
+          </a:p>
+          <a:p>
+            <a:pPr indent="0" lvl="0" marL="0" rtl="0" algn="l">
+              <a:spcBef>
+                <a:spcPts val="1600"/>
+              </a:spcBef>
+              <a:spcAft>
+                <a:spcPts val="1600"/>
+              </a:spcAft>
+              <a:buNone/>
+            </a:pPr>
+            <a:r>
+              <a:t/>
+            </a:r>
+            <a:endParaRPr sz="1400"/>
+          </a:p>
+        </p:txBody>
+      </p:sp>
+      <p:sp>
+        <p:nvSpPr>
+          <p:cNvPr id="752" name="Google Shape;752;p53"/>
+          <p:cNvSpPr txBox="1"/>
+          <p:nvPr>
+            <p:ph idx="4294967295" type="subTitle"/>
+          </p:nvPr>
+        </p:nvSpPr>
+        <p:spPr>
+          <a:xfrm flipH="1">
+            <a:off x="5339450" y="3089500"/>
+            <a:ext cx="3711900" cy="778200"/>
+          </a:xfrm>
+          <a:prstGeom prst="rect">
+            <a:avLst/>
+          </a:prstGeom>
+        </p:spPr>
+        <p:txBody>
+          <a:bodyPr anchorCtr="0" anchor="t" bIns="0" lIns="91425" spcFirstLastPara="1" rIns="91425" wrap="square" tIns="0">
+            <a:noAutofit/>
+          </a:bodyPr>
+          <a:lstStyle/>
+          <a:p>
+            <a:pPr indent="0" lvl="0" marL="0" rtl="0" algn="l">
+              <a:spcBef>
+                <a:spcPts val="0"/>
+              </a:spcBef>
+              <a:spcAft>
+                <a:spcPts val="0"/>
+              </a:spcAft>
+              <a:buNone/>
+            </a:pPr>
+            <a:r>
+              <a:rPr lang="en" sz="1400"/>
+              <a:t>Inherit from PriorityQueue&lt;TElement,TPriority&gt;.UnorderedItemsCollection</a:t>
+            </a:r>
+            <a:endParaRPr sz="1400"/>
+          </a:p>
+          <a:p>
+            <a:pPr indent="0" lvl="0" marL="0" rtl="0" algn="l">
+              <a:spcBef>
+                <a:spcPts val="1600"/>
+              </a:spcBef>
+              <a:spcAft>
+                <a:spcPts val="0"/>
+              </a:spcAft>
+              <a:buNone/>
+            </a:pPr>
+            <a:r>
+              <a:t/>
+            </a:r>
+            <a:endParaRPr sz="1400"/>
+          </a:p>
+          <a:p>
+            <a:pPr indent="0" lvl="0" marL="0" rtl="0" algn="l">
+              <a:spcBef>
+                <a:spcPts val="1600"/>
+              </a:spcBef>
+              <a:spcAft>
+                <a:spcPts val="1600"/>
+              </a:spcAft>
+              <a:buNone/>
+            </a:pPr>
+            <a:r>
+              <a:t/>
+            </a:r>
+            <a:endParaRPr sz="1400"/>
+          </a:p>
+        </p:txBody>
+      </p:sp>
+      <p:sp>
+        <p:nvSpPr>
+          <p:cNvPr id="753" name="Google Shape;753;p53"/>
+          <p:cNvSpPr/>
+          <p:nvPr/>
+        </p:nvSpPr>
+        <p:spPr>
+          <a:xfrm>
+            <a:off x="38100" y="2241450"/>
+            <a:ext cx="1785055" cy="188756"/>
+          </a:xfrm>
+          <a:custGeom>
+            <a:rect b="b" l="l" r="r" t="t"/>
+            <a:pathLst>
+              <a:path extrusionOk="0" h="5847" w="106491">
+                <a:moveTo>
+                  <a:pt x="1" y="0"/>
+                </a:moveTo>
+                <a:lnTo>
+                  <a:pt x="1" y="5846"/>
+                </a:lnTo>
+                <a:lnTo>
+                  <a:pt x="106490" y="5846"/>
+                </a:lnTo>
+                <a:lnTo>
+                  <a:pt x="106490" y="0"/>
+                </a:lnTo>
+                <a:close/>
+              </a:path>
+            </a:pathLst>
+          </a:custGeom>
+          <a:solidFill>
+            <a:schemeClr val="dk2"/>
+          </a:solidFill>
+          <a:ln>
+            <a:noFill/>
+          </a:ln>
+        </p:spPr>
+        <p:txBody>
+          <a:bodyPr anchorCtr="0" anchor="ctr" bIns="91425" lIns="91425" spcFirstLastPara="1" rIns="91425" wrap="square" tIns="91425">
+            <a:noAutofit/>
+          </a:bodyPr>
+          <a:lstStyle/>
+          <a:p>
+            <a:pPr indent="0" lvl="0" marL="0" rtl="0" algn="l">
+              <a:spcBef>
+                <a:spcPts val="0"/>
+              </a:spcBef>
+              <a:spcAft>
+                <a:spcPts val="0"/>
+              </a:spcAft>
+              <a:buNone/>
+            </a:pPr>
+            <a:r>
+              <a:t/>
+            </a:r>
+            <a:endParaRPr/>
+          </a:p>
+        </p:txBody>
+      </p:sp>
+      <p:sp>
+        <p:nvSpPr>
+          <p:cNvPr id="754" name="Google Shape;754;p53"/>
+          <p:cNvSpPr txBox="1"/>
+          <p:nvPr>
+            <p:ph idx="4294967295" type="ctrTitle"/>
+          </p:nvPr>
+        </p:nvSpPr>
+        <p:spPr>
+          <a:xfrm flipH="1">
+            <a:off x="870550" y="2465100"/>
+            <a:ext cx="2435700" cy="1041000"/>
+          </a:xfrm>
+          <a:prstGeom prst="rect">
+            <a:avLst/>
+          </a:prstGeom>
+        </p:spPr>
+        <p:txBody>
+          <a:bodyPr anchorCtr="0" anchor="ctr" bIns="0" lIns="91425" spcFirstLastPara="1" rIns="91425" wrap="square" tIns="0">
+            <a:noAutofit/>
+          </a:bodyPr>
+          <a:lstStyle/>
+          <a:p>
+            <a:pPr indent="0" lvl="0" marL="0" rtl="0" algn="r">
+              <a:spcBef>
+                <a:spcPts val="0"/>
+              </a:spcBef>
+              <a:spcAft>
+                <a:spcPts val="0"/>
+              </a:spcAft>
+              <a:buNone/>
+            </a:pPr>
+            <a:r>
+              <a:rPr lang="en" sz="3000">
+                <a:solidFill>
+                  <a:schemeClr val="dk1"/>
+                </a:solidFill>
+              </a:rPr>
+              <a:t>HashSet </a:t>
+            </a:r>
+            <a:endParaRPr sz="3000">
+              <a:solidFill>
+                <a:schemeClr val="dk1"/>
+              </a:solidFill>
+            </a:endParaRPr>
+          </a:p>
+        </p:txBody>
+      </p:sp>
+      <p:sp>
+        <p:nvSpPr>
+          <p:cNvPr id="755" name="Google Shape;755;p53"/>
+          <p:cNvSpPr/>
+          <p:nvPr/>
+        </p:nvSpPr>
+        <p:spPr>
+          <a:xfrm flipH="1">
+            <a:off x="1165475" y="3815600"/>
+            <a:ext cx="2338825" cy="133867"/>
+          </a:xfrm>
+          <a:custGeom>
+            <a:rect b="b" l="l" r="r" t="t"/>
+            <a:pathLst>
+              <a:path extrusionOk="0" h="8298" w="135840">
+                <a:moveTo>
+                  <a:pt x="1" y="1"/>
+                </a:moveTo>
+                <a:lnTo>
+                  <a:pt x="1" y="8298"/>
+                </a:lnTo>
+                <a:lnTo>
+                  <a:pt x="135840" y="8298"/>
+                </a:lnTo>
+                <a:lnTo>
+                  <a:pt x="135840" y="1"/>
+                </a:lnTo>
+                <a:close/>
+              </a:path>
+            </a:pathLst>
+          </a:custGeom>
+          <a:solidFill>
+            <a:schemeClr val="lt2"/>
+          </a:solidFill>
+          <a:ln>
+            <a:noFill/>
+          </a:ln>
+        </p:spPr>
+        <p:txBody>
+          <a:bodyPr anchorCtr="0" anchor="ctr" bIns="91425" lIns="91425" spcFirstLastPara="1" rIns="91425" wrap="square" tIns="91425">
+            <a:noAutofit/>
+          </a:bodyPr>
+          <a:lstStyle/>
+          <a:p>
+            <a:pPr indent="0" lvl="0" marL="0" rtl="0" algn="l">
+              <a:spcBef>
+                <a:spcPts val="0"/>
+              </a:spcBef>
+              <a:spcAft>
+                <a:spcPts val="0"/>
+              </a:spcAft>
+              <a:buNone/>
+            </a:pPr>
+            <a:r>
+              <a:t/>
+            </a:r>
+            <a:endParaRPr/>
+          </a:p>
+        </p:txBody>
+      </p:sp>
+      <p:sp>
+        <p:nvSpPr>
+          <p:cNvPr id="756" name="Google Shape;756;p53"/>
+          <p:cNvSpPr/>
+          <p:nvPr/>
+        </p:nvSpPr>
+        <p:spPr>
+          <a:xfrm flipH="1">
+            <a:off x="5547" y="3815594"/>
+            <a:ext cx="1159929" cy="133888"/>
+          </a:xfrm>
+          <a:custGeom>
+            <a:rect b="b" l="l" r="r" t="t"/>
+            <a:pathLst>
+              <a:path extrusionOk="0" h="8298" w="71889">
+                <a:moveTo>
+                  <a:pt x="1" y="1"/>
+                </a:moveTo>
+                <a:lnTo>
+                  <a:pt x="1" y="8298"/>
+                </a:lnTo>
+                <a:lnTo>
+                  <a:pt x="71889" y="8298"/>
+                </a:lnTo>
+                <a:lnTo>
+                  <a:pt x="71889" y="1"/>
+                </a:lnTo>
+                <a:close/>
+              </a:path>
+            </a:pathLst>
+          </a:custGeom>
+          <a:solidFill>
+            <a:schemeClr val="dk2"/>
+          </a:solidFill>
+          <a:ln>
+            <a:noFill/>
+          </a:ln>
+        </p:spPr>
+        <p:txBody>
+          <a:bodyPr anchorCtr="0" anchor="ctr" bIns="91425" lIns="91425" spcFirstLastPara="1" rIns="91425" wrap="square" tIns="91425">
+            <a:noAutofit/>
+          </a:bodyPr>
+          <a:lstStyle/>
+          <a:p>
+            <a:pPr indent="0" lvl="0" marL="0" rtl="0" algn="l">
+              <a:spcBef>
+                <a:spcPts val="0"/>
+              </a:spcBef>
+              <a:spcAft>
+                <a:spcPts val="0"/>
+              </a:spcAft>
+              <a:buNone/>
+            </a:pPr>
+            <a:r>
+              <a:t/>
+            </a:r>
+            <a:endParaRPr/>
+          </a:p>
+        </p:txBody>
+      </p:sp>
+      <p:sp>
+        <p:nvSpPr>
+          <p:cNvPr id="757" name="Google Shape;757;p53"/>
+          <p:cNvSpPr/>
+          <p:nvPr/>
+        </p:nvSpPr>
+        <p:spPr>
+          <a:xfrm flipH="1">
+            <a:off x="1198787" y="4037295"/>
+            <a:ext cx="1710487" cy="133888"/>
+          </a:xfrm>
+          <a:custGeom>
+            <a:rect b="b" l="l" r="r" t="t"/>
+            <a:pathLst>
+              <a:path extrusionOk="0" h="8298" w="106011">
+                <a:moveTo>
+                  <a:pt x="1" y="1"/>
+                </a:moveTo>
+                <a:lnTo>
+                  <a:pt x="1" y="8297"/>
+                </a:lnTo>
+                <a:lnTo>
+                  <a:pt x="106011" y="8297"/>
+                </a:lnTo>
+                <a:lnTo>
+                  <a:pt x="106011" y="1"/>
+                </a:lnTo>
+                <a:close/>
+              </a:path>
+            </a:pathLst>
+          </a:custGeom>
+          <a:solidFill>
+            <a:schemeClr val="lt1"/>
+          </a:solidFill>
+          <a:ln>
+            <a:noFill/>
+          </a:ln>
+        </p:spPr>
+        <p:txBody>
+          <a:bodyPr anchorCtr="0" anchor="ctr" bIns="91425" lIns="91425" spcFirstLastPara="1" rIns="91425" wrap="square" tIns="91425">
+            <a:noAutofit/>
+          </a:bodyPr>
+          <a:lstStyle/>
+          <a:p>
+            <a:pPr indent="0" lvl="0" marL="0" rtl="0" algn="l">
+              <a:spcBef>
+                <a:spcPts val="0"/>
+              </a:spcBef>
+              <a:spcAft>
+                <a:spcPts val="0"/>
+              </a:spcAft>
+              <a:buNone/>
+            </a:pPr>
+            <a:r>
+              <a:t/>
+            </a:r>
+            <a:endParaRPr/>
+          </a:p>
+        </p:txBody>
+      </p:sp>
+      <p:sp>
+        <p:nvSpPr>
+          <p:cNvPr id="758" name="Google Shape;758;p53"/>
+          <p:cNvSpPr/>
+          <p:nvPr/>
+        </p:nvSpPr>
+        <p:spPr>
+          <a:xfrm flipH="1">
+            <a:off x="1198773" y="4037295"/>
+            <a:ext cx="497168" cy="133888"/>
+          </a:xfrm>
+          <a:custGeom>
+            <a:rect b="b" l="l" r="r" t="t"/>
+            <a:pathLst>
+              <a:path extrusionOk="0" h="8298" w="30813">
+                <a:moveTo>
+                  <a:pt x="0" y="1"/>
+                </a:moveTo>
+                <a:lnTo>
+                  <a:pt x="0" y="8297"/>
+                </a:lnTo>
+                <a:lnTo>
+                  <a:pt x="30813" y="8297"/>
+                </a:lnTo>
+                <a:lnTo>
+                  <a:pt x="30813" y="1"/>
+                </a:lnTo>
+                <a:close/>
+              </a:path>
+            </a:pathLst>
+          </a:custGeom>
+          <a:solidFill>
+            <a:schemeClr val="dk2"/>
+          </a:solidFill>
+          <a:ln>
+            <a:noFill/>
+          </a:ln>
+        </p:spPr>
+        <p:txBody>
+          <a:bodyPr anchorCtr="0" anchor="ctr" bIns="91425" lIns="91425" spcFirstLastPara="1" rIns="91425" wrap="square" tIns="91425">
+            <a:noAutofit/>
+          </a:bodyPr>
+          <a:lstStyle/>
+          <a:p>
+            <a:pPr indent="0" lvl="0" marL="0" rtl="0" algn="l">
+              <a:spcBef>
+                <a:spcPts val="0"/>
+              </a:spcBef>
+              <a:spcAft>
+                <a:spcPts val="0"/>
+              </a:spcAft>
+              <a:buNone/>
+            </a:pPr>
+            <a:r>
+              <a:t/>
+            </a:r>
+            <a:endParaRPr/>
+          </a:p>
+        </p:txBody>
+      </p:sp>
+      <p:sp>
+        <p:nvSpPr>
+          <p:cNvPr id="759" name="Google Shape;759;p53"/>
+          <p:cNvSpPr/>
+          <p:nvPr/>
+        </p:nvSpPr>
+        <p:spPr>
+          <a:xfrm flipH="1">
+            <a:off x="5528" y="4037295"/>
+            <a:ext cx="579973" cy="133888"/>
+          </a:xfrm>
+          <a:custGeom>
+            <a:rect b="b" l="l" r="r" t="t"/>
+            <a:pathLst>
+              <a:path extrusionOk="0" h="8298" w="35945">
+                <a:moveTo>
+                  <a:pt x="1" y="1"/>
+                </a:moveTo>
+                <a:lnTo>
+                  <a:pt x="1" y="8297"/>
+                </a:lnTo>
+                <a:lnTo>
+                  <a:pt x="35945" y="8297"/>
+                </a:lnTo>
+                <a:lnTo>
+                  <a:pt x="35945" y="1"/>
+                </a:lnTo>
+                <a:close/>
+              </a:path>
+            </a:pathLst>
+          </a:custGeom>
+          <a:solidFill>
+            <a:schemeClr val="lt2"/>
+          </a:solidFill>
+          <a:ln>
+            <a:noFill/>
+          </a:ln>
+        </p:spPr>
+        <p:txBody>
+          <a:bodyPr anchorCtr="0" anchor="ctr" bIns="91425" lIns="91425" spcFirstLastPara="1" rIns="91425" wrap="square" tIns="91425">
+            <a:noAutofit/>
+          </a:bodyPr>
+          <a:lstStyle/>
+          <a:p>
+            <a:pPr indent="0" lvl="0" marL="0" rtl="0" algn="l">
+              <a:spcBef>
+                <a:spcPts val="0"/>
+              </a:spcBef>
+              <a:spcAft>
+                <a:spcPts val="0"/>
+              </a:spcAft>
+              <a:buNone/>
+            </a:pPr>
+            <a:r>
+              <a:t/>
+            </a:r>
+            <a:endParaRPr/>
+          </a:p>
+        </p:txBody>
+      </p:sp>
+      <p:sp>
+        <p:nvSpPr>
+          <p:cNvPr id="760" name="Google Shape;760;p53"/>
+          <p:cNvSpPr/>
+          <p:nvPr/>
+        </p:nvSpPr>
+        <p:spPr>
+          <a:xfrm flipH="1">
+            <a:off x="933694" y="4037295"/>
+            <a:ext cx="133888" cy="133888"/>
+          </a:xfrm>
+          <a:custGeom>
+            <a:rect b="b" l="l" r="r" t="t"/>
+            <a:pathLst>
+              <a:path extrusionOk="0" h="8298" w="8298">
+                <a:moveTo>
+                  <a:pt x="0" y="1"/>
+                </a:moveTo>
+                <a:lnTo>
+                  <a:pt x="0" y="8297"/>
+                </a:lnTo>
+                <a:lnTo>
+                  <a:pt x="8297" y="8297"/>
+                </a:lnTo>
+                <a:lnTo>
+                  <a:pt x="8297" y="1"/>
+                </a:lnTo>
+                <a:close/>
+              </a:path>
+            </a:pathLst>
+          </a:custGeom>
+          <a:solidFill>
+            <a:srgbClr val="FFFFFF">
+              <a:alpha val="31370"/>
+            </a:srgbClr>
+          </a:solidFill>
+          <a:ln>
+            <a:noFill/>
+          </a:ln>
+        </p:spPr>
+        <p:txBody>
+          <a:bodyPr anchorCtr="0" anchor="ctr" bIns="91425" lIns="91425" spcFirstLastPara="1" rIns="91425" wrap="square" tIns="91425">
+            <a:noAutofit/>
+          </a:bodyPr>
+          <a:lstStyle/>
+          <a:p>
+            <a:pPr indent="0" lvl="0" marL="0" rtl="0" algn="l">
+              <a:spcBef>
+                <a:spcPts val="0"/>
+              </a:spcBef>
+              <a:spcAft>
+                <a:spcPts val="0"/>
+              </a:spcAft>
+              <a:buNone/>
+            </a:pPr>
+            <a:r>
+              <a:t/>
+            </a:r>
+            <a:endParaRPr/>
+          </a:p>
+        </p:txBody>
+      </p:sp>
+      <p:sp>
+        <p:nvSpPr>
+          <p:cNvPr id="761" name="Google Shape;761;p53"/>
+          <p:cNvSpPr/>
+          <p:nvPr/>
+        </p:nvSpPr>
+        <p:spPr>
+          <a:xfrm flipH="1">
+            <a:off x="720898" y="4037295"/>
+            <a:ext cx="133888" cy="133888"/>
+          </a:xfrm>
+          <a:custGeom>
+            <a:rect b="b" l="l" r="r" t="t"/>
+            <a:pathLst>
+              <a:path extrusionOk="0" h="8298" w="8298">
+                <a:moveTo>
+                  <a:pt x="1" y="1"/>
+                </a:moveTo>
+                <a:lnTo>
+                  <a:pt x="1" y="8297"/>
+                </a:lnTo>
+                <a:lnTo>
+                  <a:pt x="8297" y="8297"/>
+                </a:lnTo>
+                <a:lnTo>
+                  <a:pt x="8297" y="1"/>
+                </a:lnTo>
+                <a:close/>
+              </a:path>
+            </a:pathLst>
+          </a:custGeom>
+          <a:solidFill>
+            <a:schemeClr val="lt1"/>
+          </a:solidFill>
+          <a:ln>
+            <a:noFill/>
+          </a:ln>
+        </p:spPr>
+        <p:txBody>
+          <a:bodyPr anchorCtr="0" anchor="ctr" bIns="91425" lIns="91425" spcFirstLastPara="1" rIns="91425" wrap="square" tIns="91425">
+            <a:noAutofit/>
+          </a:bodyPr>
+          <a:lstStyle/>
+          <a:p>
+            <a:pPr indent="0" lvl="0" marL="0" rtl="0" algn="l">
+              <a:spcBef>
+                <a:spcPts val="0"/>
+              </a:spcBef>
+              <a:spcAft>
+                <a:spcPts val="0"/>
+              </a:spcAft>
+              <a:buNone/>
+            </a:pPr>
+            <a:r>
+              <a:t/>
+            </a:r>
+            <a:endParaRPr/>
+          </a:p>
+        </p:txBody>
+      </p:sp>
+      <p:sp>
+        <p:nvSpPr>
+          <p:cNvPr id="762" name="Google Shape;762;p53"/>
+          <p:cNvSpPr/>
+          <p:nvPr/>
+        </p:nvSpPr>
+        <p:spPr>
+          <a:xfrm flipH="1">
+            <a:off x="5514" y="4258997"/>
+            <a:ext cx="133872" cy="133888"/>
+          </a:xfrm>
+          <a:custGeom>
+            <a:rect b="b" l="l" r="r" t="t"/>
+            <a:pathLst>
+              <a:path extrusionOk="0" h="8298" w="8297">
+                <a:moveTo>
+                  <a:pt x="0" y="0"/>
+                </a:moveTo>
+                <a:lnTo>
+                  <a:pt x="0" y="8297"/>
+                </a:lnTo>
+                <a:lnTo>
+                  <a:pt x="8297" y="8297"/>
+                </a:lnTo>
+                <a:lnTo>
+                  <a:pt x="8297" y="0"/>
+                </a:lnTo>
+                <a:close/>
+              </a:path>
+            </a:pathLst>
+          </a:custGeom>
+          <a:solidFill>
+            <a:schemeClr val="lt1"/>
+          </a:solidFill>
+          <a:ln>
+            <a:noFill/>
+          </a:ln>
+        </p:spPr>
+        <p:txBody>
+          <a:bodyPr anchorCtr="0" anchor="ctr" bIns="91425" lIns="91425" spcFirstLastPara="1" rIns="91425" wrap="square" tIns="91425">
+            <a:noAutofit/>
+          </a:bodyPr>
+          <a:lstStyle/>
+          <a:p>
+            <a:pPr indent="0" lvl="0" marL="0" rtl="0" algn="l">
+              <a:spcBef>
+                <a:spcPts val="0"/>
+              </a:spcBef>
+              <a:spcAft>
+                <a:spcPts val="0"/>
+              </a:spcAft>
+              <a:buNone/>
+            </a:pPr>
+            <a:r>
+              <a:t/>
+            </a:r>
+            <a:endParaRPr/>
+          </a:p>
+        </p:txBody>
+      </p:sp>
+      <p:sp>
+        <p:nvSpPr>
+          <p:cNvPr id="763" name="Google Shape;763;p53"/>
+          <p:cNvSpPr/>
+          <p:nvPr/>
+        </p:nvSpPr>
+        <p:spPr>
+          <a:xfrm flipH="1">
+            <a:off x="933698" y="3455322"/>
+            <a:ext cx="1367312" cy="133888"/>
+          </a:xfrm>
+          <a:custGeom>
+            <a:rect b="b" l="l" r="r" t="t"/>
+            <a:pathLst>
+              <a:path extrusionOk="0" h="8298" w="84742">
+                <a:moveTo>
+                  <a:pt x="1" y="0"/>
+                </a:moveTo>
+                <a:lnTo>
+                  <a:pt x="1" y="8297"/>
+                </a:lnTo>
+                <a:lnTo>
+                  <a:pt x="84741" y="8297"/>
+                </a:lnTo>
+                <a:lnTo>
+                  <a:pt x="84741" y="0"/>
+                </a:lnTo>
+                <a:close/>
+              </a:path>
+            </a:pathLst>
+          </a:custGeom>
+          <a:solidFill>
+            <a:schemeClr val="dk2"/>
+          </a:solidFill>
+          <a:ln>
+            <a:noFill/>
+          </a:ln>
+        </p:spPr>
+        <p:txBody>
+          <a:bodyPr anchorCtr="0" anchor="ctr" bIns="91425" lIns="91425" spcFirstLastPara="1" rIns="91425" wrap="square" tIns="91425">
+            <a:noAutofit/>
+          </a:bodyPr>
+          <a:lstStyle/>
+          <a:p>
+            <a:pPr indent="0" lvl="0" marL="0" rtl="0" algn="l">
+              <a:spcBef>
+                <a:spcPts val="0"/>
+              </a:spcBef>
+              <a:spcAft>
+                <a:spcPts val="0"/>
+              </a:spcAft>
+              <a:buNone/>
+            </a:pPr>
+            <a:r>
+              <a:t/>
+            </a:r>
+            <a:endParaRPr/>
+          </a:p>
+        </p:txBody>
+      </p:sp>
+      <p:cxnSp>
+        <p:nvCxnSpPr>
+          <p:cNvPr id="764" name="Google Shape;764;p53"/>
+          <p:cNvCxnSpPr/>
+          <p:nvPr/>
+        </p:nvCxnSpPr>
+        <p:spPr>
+          <a:xfrm flipH="1" rot="10800000">
+            <a:off x="3351874" y="1570575"/>
+            <a:ext cx="1879500" cy="1326900"/>
+          </a:xfrm>
+          <a:prstGeom prst="bentConnector3">
+            <a:avLst>
+              <a:gd fmla="val 50000" name="adj1"/>
+            </a:avLst>
+          </a:prstGeom>
+          <a:noFill/>
+          <a:ln cap="flat" cmpd="sng" w="28575">
+            <a:solidFill>
+              <a:schemeClr val="lt1"/>
+            </a:solidFill>
+            <a:prstDash val="solid"/>
+            <a:round/>
+            <a:headEnd len="med" w="med" type="none"/>
+            <a:tailEnd len="med" w="med" type="oval"/>
+          </a:ln>
+        </p:spPr>
+      </p:cxnSp>
+      <p:cxnSp>
+        <p:nvCxnSpPr>
+          <p:cNvPr id="765" name="Google Shape;765;p53"/>
+          <p:cNvCxnSpPr/>
+          <p:nvPr/>
+        </p:nvCxnSpPr>
+        <p:spPr>
+          <a:xfrm flipH="1" rot="10800000">
+            <a:off x="3351874" y="2455275"/>
+            <a:ext cx="1879500" cy="442200"/>
+          </a:xfrm>
+          <a:prstGeom prst="bentConnector3">
+            <a:avLst>
+              <a:gd fmla="val 50000" name="adj1"/>
+            </a:avLst>
+          </a:prstGeom>
+          <a:noFill/>
+          <a:ln cap="flat" cmpd="sng" w="28575">
+            <a:solidFill>
+              <a:schemeClr val="lt1"/>
+            </a:solidFill>
+            <a:prstDash val="solid"/>
+            <a:round/>
+            <a:headEnd len="med" w="med" type="none"/>
+            <a:tailEnd len="med" w="med" type="oval"/>
+          </a:ln>
+        </p:spPr>
+      </p:cxnSp>
+      <p:cxnSp>
+        <p:nvCxnSpPr>
+          <p:cNvPr id="766" name="Google Shape;766;p53"/>
+          <p:cNvCxnSpPr/>
+          <p:nvPr/>
+        </p:nvCxnSpPr>
+        <p:spPr>
+          <a:xfrm>
+            <a:off x="3351874" y="2897475"/>
+            <a:ext cx="1879500" cy="442200"/>
+          </a:xfrm>
+          <a:prstGeom prst="bentConnector3">
+            <a:avLst>
+              <a:gd fmla="val 50000" name="adj1"/>
+            </a:avLst>
+          </a:prstGeom>
+          <a:noFill/>
+          <a:ln cap="flat" cmpd="sng" w="28575">
+            <a:solidFill>
+              <a:schemeClr val="lt1"/>
+            </a:solidFill>
+            <a:prstDash val="solid"/>
+            <a:round/>
+            <a:headEnd len="med" w="med" type="none"/>
+            <a:tailEnd len="med" w="med" type="oval"/>
+          </a:ln>
+        </p:spPr>
+      </p:cxnSp>
+    </p:spTree>
+  </p:cSld>
+  <p:clrMapOvr>
+    <a:masterClrMapping/>
+  </p:clrMapOvr>
+</p:sld>
+</file>
+
+<file path=ppt/slides/slide3.xml><?xml version="1.0" encoding="utf-8"?>
+<p:sld xmlns:a="http://schemas.openxmlformats.org/drawingml/2006/main" xmlns:r="http://schemas.openxmlformats.org/officeDocument/2006/relationships" xmlns:mc="http://schemas.openxmlformats.org/markup-compatibility/2006" xmlns:mv="urn:schemas-microsoft-com:mac:vml" xmlns:p="http://schemas.openxmlformats.org/presentationml/2006/main" xmlns:c="http://schemas.openxmlformats.org/drawingml/2006/chart" xmlns:dgm="http://schemas.openxmlformats.org/drawingml/2006/diagram" xmlns:o="urn:schemas-microsoft-com:office:office" xmlns:v="urn:schemas-microsoft-com:vml" xmlns:pvml="urn:schemas-microsoft-com:office:powerpoint" xmlns:com="http://schemas.openxmlformats.org/drawingml/2006/compatibility" xmlns:p14="http://schemas.microsoft.com/office/powerpoint/2010/main" xmlns:p15="http://schemas.microsoft.com/office/powerpoint/2012/main" xmlns:ahyp="http://schemas.microsoft.com/office/drawing/2018/hyperlinkcolor">
+  <p:cSld>
+    <p:spTree>
+      <p:nvGrpSpPr>
+        <p:cNvPr id="349" name="Shape 349"/>
+        <p:cNvGrpSpPr/>
+        <p:nvPr/>
+      </p:nvGrpSpPr>
+      <p:grpSpPr>
+        <a:xfrm>
+          <a:off x="0" y="0"/>
+          <a:ext cx="0" cy="0"/>
+          <a:chOff x="0" y="0"/>
+          <a:chExt cx="0" cy="0"/>
+        </a:xfrm>
+      </p:grpSpPr>
+      <p:pic>
+        <p:nvPicPr>
+          <p:cNvPr id="350" name="Google Shape;350;p27"/>
+          <p:cNvPicPr preferRelativeResize="0"/>
+          <p:nvPr/>
+        </p:nvPicPr>
+        <p:blipFill rotWithShape="1">
+          <a:blip r:embed="rId3">
+            <a:alphaModFix/>
+          </a:blip>
+          <a:srcRect b="4812" l="24495" r="9353" t="18187"/>
+          <a:stretch/>
+        </p:blipFill>
+        <p:spPr>
+          <a:xfrm>
+            <a:off x="5353050" y="1809750"/>
+            <a:ext cx="3324251" cy="2581274"/>
+          </a:xfrm>
+          <a:prstGeom prst="rect">
+            <a:avLst/>
+          </a:prstGeom>
+          <a:noFill/>
+          <a:ln>
+            <a:noFill/>
+          </a:ln>
+        </p:spPr>
+      </p:pic>
+      <p:sp>
+        <p:nvSpPr>
+          <p:cNvPr id="351" name="Google Shape;351;p27"/>
+          <p:cNvSpPr txBox="1"/>
+          <p:nvPr>
+            <p:ph idx="1" type="body"/>
+          </p:nvPr>
+        </p:nvSpPr>
+        <p:spPr>
+          <a:xfrm>
+            <a:off x="609500" y="1973025"/>
+            <a:ext cx="3561300" cy="2581200"/>
+          </a:xfrm>
+          <a:prstGeom prst="rect">
+            <a:avLst/>
+          </a:prstGeom>
+        </p:spPr>
+        <p:txBody>
+          <a:bodyPr anchorCtr="0" anchor="t" bIns="91425" lIns="91425" spcFirstLastPara="1" rIns="91425" wrap="square" tIns="91425">
+            <a:noAutofit/>
+          </a:bodyPr>
+          <a:lstStyle/>
+          <a:p>
+            <a:pPr indent="0" lvl="0" marL="0" rtl="0" algn="l">
+              <a:spcBef>
+                <a:spcPts val="0"/>
+              </a:spcBef>
+              <a:spcAft>
+                <a:spcPts val="0"/>
+              </a:spcAft>
+              <a:buNone/>
+            </a:pPr>
+            <a:r>
+              <a:rPr lang="en"/>
+              <a:t>Mainly this type data structure is as same as Queue and Stack. This type of data structures are one dimension. And in the Priority Queue we will have priority variable. In another word in this type of data structures the element which is adding collection will have priority level and it placed in the first place </a:t>
+            </a:r>
+            <a:endParaRPr/>
+          </a:p>
+          <a:p>
+            <a:pPr indent="0" lvl="0" marL="0" rtl="0" algn="l">
+              <a:spcBef>
+                <a:spcPts val="0"/>
+              </a:spcBef>
+              <a:spcAft>
+                <a:spcPts val="0"/>
+              </a:spcAft>
+              <a:buNone/>
+            </a:pPr>
+            <a:r>
+              <a:t/>
+            </a:r>
+            <a:endParaRPr/>
+          </a:p>
+          <a:p>
+            <a:pPr indent="0" lvl="0" marL="0" rtl="0" algn="l">
+              <a:spcBef>
+                <a:spcPts val="0"/>
+              </a:spcBef>
+              <a:spcAft>
+                <a:spcPts val="0"/>
+              </a:spcAft>
+              <a:buNone/>
+            </a:pPr>
+            <a:r>
+              <a:t/>
+            </a:r>
+            <a:endParaRPr/>
+          </a:p>
+          <a:p>
+            <a:pPr indent="0" lvl="0" marL="0" rtl="0" algn="l">
+              <a:spcBef>
+                <a:spcPts val="0"/>
+              </a:spcBef>
+              <a:spcAft>
+                <a:spcPts val="0"/>
+              </a:spcAft>
+              <a:buNone/>
+            </a:pPr>
+            <a:r>
+              <a:t/>
+            </a:r>
+            <a:endParaRPr/>
+          </a:p>
+        </p:txBody>
+      </p:sp>
+      <p:sp>
+        <p:nvSpPr>
+          <p:cNvPr id="352" name="Google Shape;352;p27"/>
+          <p:cNvSpPr txBox="1"/>
+          <p:nvPr>
+            <p:ph type="title"/>
+          </p:nvPr>
+        </p:nvSpPr>
+        <p:spPr>
+          <a:xfrm>
+            <a:off x="560825" y="1168325"/>
+            <a:ext cx="3561300" cy="669000"/>
+          </a:xfrm>
+          <a:prstGeom prst="rect">
+            <a:avLst/>
+          </a:prstGeom>
+        </p:spPr>
+        <p:txBody>
+          <a:bodyPr anchorCtr="0" anchor="t" bIns="91425" lIns="91425" spcFirstLastPara="1" rIns="91425" wrap="square" tIns="91425">
+            <a:noAutofit/>
+          </a:bodyPr>
+          <a:lstStyle/>
+          <a:p>
+            <a:pPr indent="0" lvl="0" marL="0" rtl="0" algn="l">
+              <a:spcBef>
+                <a:spcPts val="0"/>
+              </a:spcBef>
+              <a:spcAft>
+                <a:spcPts val="0"/>
+              </a:spcAft>
+              <a:buNone/>
+            </a:pPr>
+            <a:r>
+              <a:rPr lang="en">
+                <a:solidFill>
+                  <a:schemeClr val="dk2"/>
+                </a:solidFill>
+              </a:rPr>
+              <a:t>INTRODUCTION</a:t>
+            </a:r>
+            <a:endParaRPr>
+              <a:solidFill>
+                <a:schemeClr val="dk2"/>
+              </a:solidFill>
+            </a:endParaRPr>
+          </a:p>
+        </p:txBody>
+      </p:sp>
+      <p:sp>
+        <p:nvSpPr>
+          <p:cNvPr id="353" name="Google Shape;353;p27"/>
+          <p:cNvSpPr/>
+          <p:nvPr/>
+        </p:nvSpPr>
+        <p:spPr>
+          <a:xfrm>
+            <a:off x="7524751" y="3887550"/>
+            <a:ext cx="1619286" cy="241405"/>
+          </a:xfrm>
+          <a:custGeom>
+            <a:rect b="b" l="l" r="r" t="t"/>
+            <a:pathLst>
+              <a:path extrusionOk="0" h="5859" w="146079">
+                <a:moveTo>
+                  <a:pt x="1" y="1"/>
+                </a:moveTo>
+                <a:lnTo>
+                  <a:pt x="1" y="5858"/>
+                </a:lnTo>
+                <a:lnTo>
+                  <a:pt x="146079" y="5858"/>
+                </a:lnTo>
+                <a:lnTo>
+                  <a:pt x="146079" y="1"/>
+                </a:lnTo>
+                <a:close/>
+              </a:path>
+            </a:pathLst>
+          </a:custGeom>
+          <a:solidFill>
+            <a:schemeClr val="dk2"/>
+          </a:solidFill>
+          <a:ln>
+            <a:noFill/>
+          </a:ln>
+        </p:spPr>
+        <p:txBody>
+          <a:bodyPr anchorCtr="0" anchor="ctr" bIns="91425" lIns="91425" spcFirstLastPara="1" rIns="91425" wrap="square" tIns="91425">
+            <a:noAutofit/>
+          </a:bodyPr>
+          <a:lstStyle/>
+          <a:p>
+            <a:pPr indent="0" lvl="0" marL="0" rtl="0" algn="l">
+              <a:spcBef>
+                <a:spcPts val="0"/>
+              </a:spcBef>
+              <a:spcAft>
+                <a:spcPts val="0"/>
+              </a:spcAft>
+              <a:buNone/>
+            </a:pPr>
+            <a:r>
+              <a:t/>
+            </a:r>
+            <a:endParaRPr/>
+          </a:p>
+        </p:txBody>
+      </p:sp>
+    </p:spTree>
+  </p:cSld>
+  <p:clrMapOvr>
+    <a:masterClrMapping/>
+  </p:clrMapOvr>
+</p:sld>
+</file>
+
+<file path=ppt/slides/slide30.xml><?xml version="1.0" encoding="utf-8"?>
+<p:sld xmlns:a="http://schemas.openxmlformats.org/drawingml/2006/main" xmlns:r="http://schemas.openxmlformats.org/officeDocument/2006/relationships" xmlns:mc="http://schemas.openxmlformats.org/markup-compatibility/2006" xmlns:mv="urn:schemas-microsoft-com:mac:vml" xmlns:p="http://schemas.openxmlformats.org/presentationml/2006/main" xmlns:c="http://schemas.openxmlformats.org/drawingml/2006/chart" xmlns:dgm="http://schemas.openxmlformats.org/drawingml/2006/diagram" xmlns:o="urn:schemas-microsoft-com:office:office" xmlns:v="urn:schemas-microsoft-com:vml" xmlns:pvml="urn:schemas-microsoft-com:office:powerpoint" xmlns:com="http://schemas.openxmlformats.org/drawingml/2006/compatibility" xmlns:p14="http://schemas.microsoft.com/office/powerpoint/2010/main" xmlns:p15="http://schemas.microsoft.com/office/powerpoint/2012/main" xmlns:ahyp="http://schemas.microsoft.com/office/drawing/2018/hyperlinkcolor">
+  <p:cSld>
+    <p:spTree>
+      <p:nvGrpSpPr>
+        <p:cNvPr id="770" name="Shape 770"/>
+        <p:cNvGrpSpPr/>
+        <p:nvPr/>
+      </p:nvGrpSpPr>
+      <p:grpSpPr>
+        <a:xfrm>
+          <a:off x="0" y="0"/>
+          <a:ext cx="0" cy="0"/>
+          <a:chOff x="0" y="0"/>
+          <a:chExt cx="0" cy="0"/>
+        </a:xfrm>
+      </p:grpSpPr>
+      <p:sp>
+        <p:nvSpPr>
+          <p:cNvPr id="771" name="Google Shape;771;p54"/>
+          <p:cNvSpPr txBox="1"/>
+          <p:nvPr>
+            <p:ph idx="7" type="title"/>
+          </p:nvPr>
+        </p:nvSpPr>
+        <p:spPr>
+          <a:xfrm>
+            <a:off x="1278050" y="343200"/>
+            <a:ext cx="6588000" cy="669000"/>
+          </a:xfrm>
+          <a:prstGeom prst="rect">
+            <a:avLst/>
+          </a:prstGeom>
+        </p:spPr>
+        <p:txBody>
+          <a:bodyPr anchorCtr="0" anchor="t" bIns="91425" lIns="91425" spcFirstLastPara="1" rIns="91425" wrap="square" tIns="91425">
+            <a:noAutofit/>
+          </a:bodyPr>
+          <a:lstStyle/>
+          <a:p>
+            <a:pPr indent="0" lvl="0" marL="0" rtl="0" algn="ctr">
+              <a:spcBef>
+                <a:spcPts val="0"/>
+              </a:spcBef>
+              <a:spcAft>
+                <a:spcPts val="0"/>
+              </a:spcAft>
+              <a:buNone/>
+            </a:pPr>
+            <a:r>
+              <a:rPr lang="en"/>
+              <a:t>Main Methods of HashSet</a:t>
+            </a:r>
+            <a:endParaRPr/>
+          </a:p>
+        </p:txBody>
+      </p:sp>
+      <p:sp>
+        <p:nvSpPr>
+          <p:cNvPr id="772" name="Google Shape;772;p54"/>
+          <p:cNvSpPr/>
+          <p:nvPr/>
+        </p:nvSpPr>
+        <p:spPr>
+          <a:xfrm flipH="1">
+            <a:off x="7903705" y="1829925"/>
+            <a:ext cx="407895" cy="179698"/>
+          </a:xfrm>
+          <a:custGeom>
+            <a:rect b="b" l="l" r="r" t="t"/>
+            <a:pathLst>
+              <a:path extrusionOk="0" h="2346" w="21766">
+                <a:moveTo>
+                  <a:pt x="1" y="0"/>
+                </a:moveTo>
+                <a:lnTo>
+                  <a:pt x="1" y="2346"/>
+                </a:lnTo>
+                <a:lnTo>
+                  <a:pt x="21765" y="2346"/>
+                </a:lnTo>
+                <a:lnTo>
+                  <a:pt x="21765" y="0"/>
+                </a:lnTo>
+                <a:close/>
+              </a:path>
+            </a:pathLst>
+          </a:custGeom>
+          <a:solidFill>
+            <a:srgbClr val="FFFFFF">
+              <a:alpha val="31370"/>
+            </a:srgbClr>
+          </a:solidFill>
+          <a:ln>
+            <a:noFill/>
+          </a:ln>
+        </p:spPr>
+        <p:txBody>
+          <a:bodyPr anchorCtr="0" anchor="ctr" bIns="91425" lIns="91425" spcFirstLastPara="1" rIns="91425" wrap="square" tIns="91425">
+            <a:noAutofit/>
+          </a:bodyPr>
+          <a:lstStyle/>
+          <a:p>
+            <a:pPr indent="0" lvl="0" marL="0" rtl="0" algn="l">
+              <a:spcBef>
+                <a:spcPts val="0"/>
+              </a:spcBef>
+              <a:spcAft>
+                <a:spcPts val="0"/>
+              </a:spcAft>
+              <a:buNone/>
+            </a:pPr>
+            <a:r>
+              <a:t/>
+            </a:r>
+            <a:endParaRPr/>
+          </a:p>
+        </p:txBody>
+      </p:sp>
+      <p:sp>
+        <p:nvSpPr>
+          <p:cNvPr id="773" name="Google Shape;773;p54"/>
+          <p:cNvSpPr/>
+          <p:nvPr/>
+        </p:nvSpPr>
+        <p:spPr>
+          <a:xfrm flipH="1">
+            <a:off x="1187626" y="3498350"/>
+            <a:ext cx="218403" cy="179751"/>
+          </a:xfrm>
+          <a:custGeom>
+            <a:rect b="b" l="l" r="r" t="t"/>
+            <a:pathLst>
+              <a:path extrusionOk="0" h="2347" w="5323">
+                <a:moveTo>
+                  <a:pt x="1" y="1"/>
+                </a:moveTo>
+                <a:lnTo>
+                  <a:pt x="1" y="2346"/>
+                </a:lnTo>
+                <a:lnTo>
+                  <a:pt x="5323" y="2346"/>
+                </a:lnTo>
+                <a:lnTo>
+                  <a:pt x="5323" y="1"/>
+                </a:lnTo>
+                <a:close/>
+              </a:path>
+            </a:pathLst>
+          </a:custGeom>
+          <a:solidFill>
+            <a:srgbClr val="FFFFFF">
+              <a:alpha val="31370"/>
+            </a:srgbClr>
+          </a:solidFill>
+          <a:ln>
+            <a:noFill/>
+          </a:ln>
+        </p:spPr>
+        <p:txBody>
+          <a:bodyPr anchorCtr="0" anchor="ctr" bIns="91425" lIns="91425" spcFirstLastPara="1" rIns="91425" wrap="square" tIns="91425">
+            <a:noAutofit/>
+          </a:bodyPr>
+          <a:lstStyle/>
+          <a:p>
+            <a:pPr indent="0" lvl="0" marL="0" rtl="0" algn="l">
+              <a:spcBef>
+                <a:spcPts val="0"/>
+              </a:spcBef>
+              <a:spcAft>
+                <a:spcPts val="0"/>
+              </a:spcAft>
+              <a:buNone/>
+            </a:pPr>
+            <a:r>
+              <a:t/>
+            </a:r>
+            <a:endParaRPr/>
+          </a:p>
+        </p:txBody>
+      </p:sp>
+      <p:sp>
+        <p:nvSpPr>
+          <p:cNvPr id="774" name="Google Shape;774;p54"/>
+          <p:cNvSpPr/>
+          <p:nvPr/>
+        </p:nvSpPr>
+        <p:spPr>
+          <a:xfrm flipH="1">
+            <a:off x="1082114" y="2126750"/>
+            <a:ext cx="323913" cy="179751"/>
+          </a:xfrm>
+          <a:custGeom>
+            <a:rect b="b" l="l" r="r" t="t"/>
+            <a:pathLst>
+              <a:path extrusionOk="0" h="2347" w="46995">
+                <a:moveTo>
+                  <a:pt x="0" y="1"/>
+                </a:moveTo>
+                <a:lnTo>
+                  <a:pt x="0" y="2346"/>
+                </a:lnTo>
+                <a:lnTo>
+                  <a:pt x="46994" y="2346"/>
+                </a:lnTo>
+                <a:lnTo>
+                  <a:pt x="46994" y="1"/>
+                </a:lnTo>
+                <a:close/>
+              </a:path>
+            </a:pathLst>
+          </a:custGeom>
+          <a:solidFill>
+            <a:schemeClr val="lt1"/>
+          </a:solidFill>
+          <a:ln>
+            <a:noFill/>
+          </a:ln>
+        </p:spPr>
+        <p:txBody>
+          <a:bodyPr anchorCtr="0" anchor="ctr" bIns="91425" lIns="91425" spcFirstLastPara="1" rIns="91425" wrap="square" tIns="91425">
+            <a:noAutofit/>
+          </a:bodyPr>
+          <a:lstStyle/>
+          <a:p>
+            <a:pPr indent="0" lvl="0" marL="0" rtl="0" algn="l">
+              <a:spcBef>
+                <a:spcPts val="0"/>
+              </a:spcBef>
+              <a:spcAft>
+                <a:spcPts val="0"/>
+              </a:spcAft>
+              <a:buNone/>
+            </a:pPr>
+            <a:r>
+              <a:t/>
+            </a:r>
+            <a:endParaRPr/>
+          </a:p>
+        </p:txBody>
+      </p:sp>
+      <p:sp>
+        <p:nvSpPr>
+          <p:cNvPr id="775" name="Google Shape;775;p54"/>
+          <p:cNvSpPr/>
+          <p:nvPr/>
+        </p:nvSpPr>
+        <p:spPr>
+          <a:xfrm>
+            <a:off x="7737303" y="3498350"/>
+            <a:ext cx="407888" cy="179751"/>
+          </a:xfrm>
+          <a:custGeom>
+            <a:rect b="b" l="l" r="r" t="t"/>
+            <a:pathLst>
+              <a:path extrusionOk="0" h="2347" w="5323">
+                <a:moveTo>
+                  <a:pt x="1" y="1"/>
+                </a:moveTo>
+                <a:lnTo>
+                  <a:pt x="1" y="2346"/>
+                </a:lnTo>
+                <a:lnTo>
+                  <a:pt x="5323" y="2346"/>
+                </a:lnTo>
+                <a:lnTo>
+                  <a:pt x="5323" y="1"/>
+                </a:lnTo>
+                <a:close/>
+              </a:path>
+            </a:pathLst>
+          </a:custGeom>
+          <a:solidFill>
+            <a:srgbClr val="FFFFFF">
+              <a:alpha val="31370"/>
+            </a:srgbClr>
+          </a:solidFill>
+          <a:ln>
+            <a:noFill/>
+          </a:ln>
+        </p:spPr>
+        <p:txBody>
+          <a:bodyPr anchorCtr="0" anchor="ctr" bIns="91425" lIns="91425" spcFirstLastPara="1" rIns="91425" wrap="square" tIns="91425">
+            <a:noAutofit/>
+          </a:bodyPr>
+          <a:lstStyle/>
+          <a:p>
+            <a:pPr indent="0" lvl="0" marL="0" rtl="0" algn="l">
+              <a:spcBef>
+                <a:spcPts val="0"/>
+              </a:spcBef>
+              <a:spcAft>
+                <a:spcPts val="0"/>
+              </a:spcAft>
+              <a:buNone/>
+            </a:pPr>
+            <a:r>
+              <a:t/>
+            </a:r>
+            <a:endParaRPr/>
+          </a:p>
+        </p:txBody>
+      </p:sp>
+      <p:sp>
+        <p:nvSpPr>
+          <p:cNvPr id="776" name="Google Shape;776;p54"/>
+          <p:cNvSpPr/>
+          <p:nvPr/>
+        </p:nvSpPr>
+        <p:spPr>
+          <a:xfrm flipH="1">
+            <a:off x="7734270" y="2126750"/>
+            <a:ext cx="218409" cy="179751"/>
+          </a:xfrm>
+          <a:custGeom>
+            <a:rect b="b" l="l" r="r" t="t"/>
+            <a:pathLst>
+              <a:path extrusionOk="0" h="2347" w="46995">
+                <a:moveTo>
+                  <a:pt x="0" y="1"/>
+                </a:moveTo>
+                <a:lnTo>
+                  <a:pt x="0" y="2346"/>
+                </a:lnTo>
+                <a:lnTo>
+                  <a:pt x="46994" y="2346"/>
+                </a:lnTo>
+                <a:lnTo>
+                  <a:pt x="46994" y="1"/>
+                </a:lnTo>
+                <a:close/>
+              </a:path>
+            </a:pathLst>
+          </a:custGeom>
+          <a:solidFill>
+            <a:schemeClr val="lt1"/>
+          </a:solidFill>
+          <a:ln>
+            <a:noFill/>
+          </a:ln>
+        </p:spPr>
+        <p:txBody>
+          <a:bodyPr anchorCtr="0" anchor="ctr" bIns="91425" lIns="91425" spcFirstLastPara="1" rIns="91425" wrap="square" tIns="91425">
+            <a:noAutofit/>
+          </a:bodyPr>
+          <a:lstStyle/>
+          <a:p>
+            <a:pPr indent="0" lvl="0" marL="0" rtl="0" algn="l">
+              <a:spcBef>
+                <a:spcPts val="0"/>
+              </a:spcBef>
+              <a:spcAft>
+                <a:spcPts val="0"/>
+              </a:spcAft>
+              <a:buNone/>
+            </a:pPr>
+            <a:r>
+              <a:t/>
+            </a:r>
+            <a:endParaRPr/>
+          </a:p>
+        </p:txBody>
+      </p:sp>
+      <p:sp>
+        <p:nvSpPr>
+          <p:cNvPr id="777" name="Google Shape;777;p54"/>
+          <p:cNvSpPr/>
+          <p:nvPr/>
+        </p:nvSpPr>
+        <p:spPr>
+          <a:xfrm flipH="1">
+            <a:off x="637061" y="2424475"/>
+            <a:ext cx="471489" cy="178849"/>
+          </a:xfrm>
+          <a:custGeom>
+            <a:rect b="b" l="l" r="r" t="t"/>
+            <a:pathLst>
+              <a:path extrusionOk="0" h="2335" w="12098">
+                <a:moveTo>
+                  <a:pt x="1" y="1"/>
+                </a:moveTo>
+                <a:lnTo>
+                  <a:pt x="1" y="2335"/>
+                </a:lnTo>
+                <a:lnTo>
+                  <a:pt x="12098" y="2335"/>
+                </a:lnTo>
+                <a:lnTo>
+                  <a:pt x="12098" y="1"/>
+                </a:lnTo>
+                <a:close/>
+              </a:path>
+            </a:pathLst>
+          </a:custGeom>
+          <a:solidFill>
+            <a:srgbClr val="FFFFFF">
+              <a:alpha val="31370"/>
+            </a:srgbClr>
+          </a:solidFill>
+          <a:ln>
+            <a:noFill/>
+          </a:ln>
+        </p:spPr>
+        <p:txBody>
+          <a:bodyPr anchorCtr="0" anchor="ctr" bIns="91425" lIns="91425" spcFirstLastPara="1" rIns="91425" wrap="square" tIns="91425">
+            <a:noAutofit/>
+          </a:bodyPr>
+          <a:lstStyle/>
+          <a:p>
+            <a:pPr indent="0" lvl="0" marL="0" rtl="0" algn="l">
+              <a:spcBef>
+                <a:spcPts val="0"/>
+              </a:spcBef>
+              <a:spcAft>
+                <a:spcPts val="0"/>
+              </a:spcAft>
+              <a:buNone/>
+            </a:pPr>
+            <a:r>
+              <a:t/>
+            </a:r>
+            <a:endParaRPr/>
+          </a:p>
+        </p:txBody>
+      </p:sp>
+      <p:sp>
+        <p:nvSpPr>
+          <p:cNvPr id="778" name="Google Shape;778;p54"/>
+          <p:cNvSpPr/>
+          <p:nvPr/>
+        </p:nvSpPr>
+        <p:spPr>
+          <a:xfrm flipH="1" rot="-5400000">
+            <a:off x="1333500" y="1829925"/>
+            <a:ext cx="773400" cy="773400"/>
+          </a:xfrm>
+          <a:prstGeom prst="rect">
+            <a:avLst/>
+          </a:prstGeom>
+          <a:solidFill>
+            <a:schemeClr val="dk2"/>
+          </a:solidFill>
+          <a:ln>
+            <a:noFill/>
+          </a:ln>
+        </p:spPr>
+        <p:txBody>
+          <a:bodyPr anchorCtr="0" anchor="ctr" bIns="91425" lIns="91425" spcFirstLastPara="1" rIns="91425" wrap="square" tIns="91425">
+            <a:noAutofit/>
+          </a:bodyPr>
+          <a:lstStyle/>
+          <a:p>
+            <a:pPr indent="0" lvl="0" marL="0" rtl="0" algn="l">
+              <a:spcBef>
+                <a:spcPts val="0"/>
+              </a:spcBef>
+              <a:spcAft>
+                <a:spcPts val="0"/>
+              </a:spcAft>
+              <a:buNone/>
+            </a:pPr>
+            <a:r>
+              <a:t/>
+            </a:r>
+            <a:endParaRPr/>
+          </a:p>
+        </p:txBody>
+      </p:sp>
+      <p:sp>
+        <p:nvSpPr>
+          <p:cNvPr id="779" name="Google Shape;779;p54"/>
+          <p:cNvSpPr txBox="1"/>
+          <p:nvPr>
+            <p:ph type="ctrTitle"/>
+          </p:nvPr>
+        </p:nvSpPr>
+        <p:spPr>
+          <a:xfrm flipH="1">
+            <a:off x="2265962" y="1775350"/>
+            <a:ext cx="2312100" cy="669000"/>
+          </a:xfrm>
+          <a:prstGeom prst="rect">
+            <a:avLst/>
+          </a:prstGeom>
+        </p:spPr>
+        <p:txBody>
+          <a:bodyPr anchorCtr="0" anchor="b" bIns="0" lIns="91425" spcFirstLastPara="1" rIns="91425" wrap="square" tIns="0">
+            <a:noAutofit/>
+          </a:bodyPr>
+          <a:lstStyle/>
+          <a:p>
+            <a:pPr indent="0" lvl="0" marL="0" rtl="0" algn="l">
+              <a:spcBef>
+                <a:spcPts val="0"/>
+              </a:spcBef>
+              <a:spcAft>
+                <a:spcPts val="0"/>
+              </a:spcAft>
+              <a:buNone/>
+            </a:pPr>
+            <a:r>
+              <a:rPr lang="en"/>
+              <a:t>Equals(Object)</a:t>
+            </a:r>
+            <a:endParaRPr/>
+          </a:p>
+        </p:txBody>
+      </p:sp>
+      <p:sp>
+        <p:nvSpPr>
+          <p:cNvPr id="780" name="Google Shape;780;p54"/>
+          <p:cNvSpPr txBox="1"/>
+          <p:nvPr>
+            <p:ph idx="2" type="ctrTitle"/>
+          </p:nvPr>
+        </p:nvSpPr>
+        <p:spPr>
+          <a:xfrm flipH="1">
+            <a:off x="4714188" y="1775427"/>
+            <a:ext cx="2163900" cy="356700"/>
+          </a:xfrm>
+          <a:prstGeom prst="rect">
+            <a:avLst/>
+          </a:prstGeom>
+        </p:spPr>
+        <p:txBody>
+          <a:bodyPr anchorCtr="0" anchor="b" bIns="0" lIns="91425" spcFirstLastPara="1" rIns="91425" wrap="square" tIns="0">
+            <a:noAutofit/>
+          </a:bodyPr>
+          <a:lstStyle/>
+          <a:p>
+            <a:pPr indent="0" lvl="0" marL="0" rtl="0" algn="r">
+              <a:spcBef>
+                <a:spcPts val="0"/>
+              </a:spcBef>
+              <a:spcAft>
+                <a:spcPts val="0"/>
+              </a:spcAft>
+              <a:buNone/>
+            </a:pPr>
+            <a:r>
+              <a:rPr lang="en"/>
+              <a:t>GetType()</a:t>
+            </a:r>
+            <a:endParaRPr/>
+          </a:p>
+        </p:txBody>
+      </p:sp>
+      <p:sp>
+        <p:nvSpPr>
+          <p:cNvPr id="781" name="Google Shape;781;p54"/>
+          <p:cNvSpPr txBox="1"/>
+          <p:nvPr>
+            <p:ph idx="3" type="ctrTitle"/>
+          </p:nvPr>
+        </p:nvSpPr>
+        <p:spPr>
+          <a:xfrm flipH="1">
+            <a:off x="2266001" y="3155675"/>
+            <a:ext cx="2163900" cy="356700"/>
+          </a:xfrm>
+          <a:prstGeom prst="rect">
+            <a:avLst/>
+          </a:prstGeom>
+        </p:spPr>
+        <p:txBody>
+          <a:bodyPr anchorCtr="0" anchor="b" bIns="0" lIns="91425" spcFirstLastPara="1" rIns="91425" wrap="square" tIns="0">
+            <a:noAutofit/>
+          </a:bodyPr>
+          <a:lstStyle/>
+          <a:p>
+            <a:pPr indent="0" lvl="0" marL="0" rtl="0" algn="l">
+              <a:spcBef>
+                <a:spcPts val="0"/>
+              </a:spcBef>
+              <a:spcAft>
+                <a:spcPts val="0"/>
+              </a:spcAft>
+              <a:buNone/>
+            </a:pPr>
+            <a:r>
+              <a:rPr lang="en"/>
+              <a:t>GetEnumerator()</a:t>
+            </a:r>
+            <a:endParaRPr/>
+          </a:p>
+        </p:txBody>
+      </p:sp>
+      <p:sp>
+        <p:nvSpPr>
+          <p:cNvPr id="782" name="Google Shape;782;p54"/>
+          <p:cNvSpPr txBox="1"/>
+          <p:nvPr>
+            <p:ph idx="5" type="ctrTitle"/>
+          </p:nvPr>
+        </p:nvSpPr>
+        <p:spPr>
+          <a:xfrm flipH="1">
+            <a:off x="4714200" y="3155754"/>
+            <a:ext cx="2163900" cy="356700"/>
+          </a:xfrm>
+          <a:prstGeom prst="rect">
+            <a:avLst/>
+          </a:prstGeom>
+        </p:spPr>
+        <p:txBody>
+          <a:bodyPr anchorCtr="0" anchor="b" bIns="0" lIns="91425" spcFirstLastPara="1" rIns="91425" wrap="square" tIns="0">
+            <a:noAutofit/>
+          </a:bodyPr>
+          <a:lstStyle/>
+          <a:p>
+            <a:pPr indent="0" lvl="0" marL="0" rtl="0" algn="r">
+              <a:spcBef>
+                <a:spcPts val="0"/>
+              </a:spcBef>
+              <a:spcAft>
+                <a:spcPts val="0"/>
+              </a:spcAft>
+              <a:buNone/>
+            </a:pPr>
+            <a:r>
+              <a:rPr lang="en"/>
+              <a:t>GetHashCode()</a:t>
+            </a:r>
+            <a:endParaRPr/>
+          </a:p>
+        </p:txBody>
+      </p:sp>
+      <p:sp>
+        <p:nvSpPr>
+          <p:cNvPr id="783" name="Google Shape;783;p54"/>
+          <p:cNvSpPr/>
+          <p:nvPr/>
+        </p:nvSpPr>
+        <p:spPr>
+          <a:xfrm>
+            <a:off x="7019925" y="1829925"/>
+            <a:ext cx="773400" cy="773400"/>
+          </a:xfrm>
+          <a:prstGeom prst="rect">
+            <a:avLst/>
+          </a:prstGeom>
+          <a:solidFill>
+            <a:schemeClr val="lt2"/>
+          </a:solidFill>
+          <a:ln>
+            <a:noFill/>
+          </a:ln>
+        </p:spPr>
+        <p:txBody>
+          <a:bodyPr anchorCtr="0" anchor="ctr" bIns="91425" lIns="91425" spcFirstLastPara="1" rIns="91425" wrap="square" tIns="91425">
+            <a:noAutofit/>
+          </a:bodyPr>
+          <a:lstStyle/>
+          <a:p>
+            <a:pPr indent="0" lvl="0" marL="0" rtl="0" algn="l">
+              <a:spcBef>
+                <a:spcPts val="0"/>
+              </a:spcBef>
+              <a:spcAft>
+                <a:spcPts val="0"/>
+              </a:spcAft>
+              <a:buNone/>
+            </a:pPr>
+            <a:r>
+              <a:t/>
+            </a:r>
+            <a:endParaRPr/>
+          </a:p>
+        </p:txBody>
+      </p:sp>
+      <p:sp>
+        <p:nvSpPr>
+          <p:cNvPr id="784" name="Google Shape;784;p54"/>
+          <p:cNvSpPr/>
+          <p:nvPr/>
+        </p:nvSpPr>
+        <p:spPr>
+          <a:xfrm flipH="1" rot="10800000">
+            <a:off x="1333500" y="3201525"/>
+            <a:ext cx="773400" cy="773400"/>
+          </a:xfrm>
+          <a:prstGeom prst="rect">
+            <a:avLst/>
+          </a:prstGeom>
+          <a:solidFill>
+            <a:schemeClr val="lt2"/>
+          </a:solidFill>
+          <a:ln>
+            <a:noFill/>
+          </a:ln>
+        </p:spPr>
+        <p:txBody>
+          <a:bodyPr anchorCtr="0" anchor="ctr" bIns="91425" lIns="91425" spcFirstLastPara="1" rIns="91425" wrap="square" tIns="91425">
+            <a:noAutofit/>
+          </a:bodyPr>
+          <a:lstStyle/>
+          <a:p>
+            <a:pPr indent="0" lvl="0" marL="0" rtl="0" algn="l">
+              <a:spcBef>
+                <a:spcPts val="0"/>
+              </a:spcBef>
+              <a:spcAft>
+                <a:spcPts val="0"/>
+              </a:spcAft>
+              <a:buNone/>
+            </a:pPr>
+            <a:r>
+              <a:t/>
+            </a:r>
+            <a:endParaRPr/>
+          </a:p>
+        </p:txBody>
+      </p:sp>
+      <p:sp>
+        <p:nvSpPr>
+          <p:cNvPr id="785" name="Google Shape;785;p54"/>
+          <p:cNvSpPr/>
+          <p:nvPr/>
+        </p:nvSpPr>
+        <p:spPr>
+          <a:xfrm>
+            <a:off x="7935174" y="3200675"/>
+            <a:ext cx="471506" cy="179698"/>
+          </a:xfrm>
+          <a:custGeom>
+            <a:rect b="b" l="l" r="r" t="t"/>
+            <a:pathLst>
+              <a:path extrusionOk="0" h="2346" w="21766">
+                <a:moveTo>
+                  <a:pt x="1" y="0"/>
+                </a:moveTo>
+                <a:lnTo>
+                  <a:pt x="1" y="2346"/>
+                </a:lnTo>
+                <a:lnTo>
+                  <a:pt x="21765" y="2346"/>
+                </a:lnTo>
+                <a:lnTo>
+                  <a:pt x="21765" y="0"/>
+                </a:lnTo>
+                <a:close/>
+              </a:path>
+            </a:pathLst>
+          </a:custGeom>
+          <a:solidFill>
+            <a:schemeClr val="dk2"/>
+          </a:solidFill>
+          <a:ln>
+            <a:noFill/>
+          </a:ln>
+        </p:spPr>
+        <p:txBody>
+          <a:bodyPr anchorCtr="0" anchor="ctr" bIns="91425" lIns="91425" spcFirstLastPara="1" rIns="91425" wrap="square" tIns="91425">
+            <a:noAutofit/>
+          </a:bodyPr>
+          <a:lstStyle/>
+          <a:p>
+            <a:pPr indent="0" lvl="0" marL="0" rtl="0" algn="l">
+              <a:spcBef>
+                <a:spcPts val="0"/>
+              </a:spcBef>
+              <a:spcAft>
+                <a:spcPts val="0"/>
+              </a:spcAft>
+              <a:buNone/>
+            </a:pPr>
+            <a:r>
+              <a:t/>
+            </a:r>
+            <a:endParaRPr/>
+          </a:p>
+        </p:txBody>
+      </p:sp>
+      <p:sp>
+        <p:nvSpPr>
+          <p:cNvPr id="786" name="Google Shape;786;p54"/>
+          <p:cNvSpPr/>
+          <p:nvPr/>
+        </p:nvSpPr>
+        <p:spPr>
+          <a:xfrm>
+            <a:off x="8250834" y="3498349"/>
+            <a:ext cx="377605" cy="179751"/>
+          </a:xfrm>
+          <a:custGeom>
+            <a:rect b="b" l="l" r="r" t="t"/>
+            <a:pathLst>
+              <a:path extrusionOk="0" h="2347" w="46995">
+                <a:moveTo>
+                  <a:pt x="0" y="1"/>
+                </a:moveTo>
+                <a:lnTo>
+                  <a:pt x="0" y="2346"/>
+                </a:lnTo>
+                <a:lnTo>
+                  <a:pt x="46994" y="2346"/>
+                </a:lnTo>
+                <a:lnTo>
+                  <a:pt x="46994" y="1"/>
+                </a:lnTo>
+                <a:close/>
+              </a:path>
+            </a:pathLst>
+          </a:custGeom>
+          <a:solidFill>
+            <a:schemeClr val="lt1"/>
+          </a:solidFill>
+          <a:ln>
+            <a:noFill/>
+          </a:ln>
+        </p:spPr>
+        <p:txBody>
+          <a:bodyPr anchorCtr="0" anchor="ctr" bIns="91425" lIns="91425" spcFirstLastPara="1" rIns="91425" wrap="square" tIns="91425">
+            <a:noAutofit/>
+          </a:bodyPr>
+          <a:lstStyle/>
+          <a:p>
+            <a:pPr indent="0" lvl="0" marL="0" rtl="0" algn="l">
+              <a:spcBef>
+                <a:spcPts val="0"/>
+              </a:spcBef>
+              <a:spcAft>
+                <a:spcPts val="0"/>
+              </a:spcAft>
+              <a:buNone/>
+            </a:pPr>
+            <a:r>
+              <a:t/>
+            </a:r>
+            <a:endParaRPr/>
+          </a:p>
+        </p:txBody>
+      </p:sp>
+      <p:sp>
+        <p:nvSpPr>
+          <p:cNvPr id="787" name="Google Shape;787;p54"/>
+          <p:cNvSpPr/>
+          <p:nvPr/>
+        </p:nvSpPr>
+        <p:spPr>
+          <a:xfrm>
+            <a:off x="7949925" y="3796075"/>
+            <a:ext cx="300908" cy="178849"/>
+          </a:xfrm>
+          <a:custGeom>
+            <a:rect b="b" l="l" r="r" t="t"/>
+            <a:pathLst>
+              <a:path extrusionOk="0" h="2335" w="12098">
+                <a:moveTo>
+                  <a:pt x="1" y="1"/>
+                </a:moveTo>
+                <a:lnTo>
+                  <a:pt x="1" y="2335"/>
+                </a:lnTo>
+                <a:lnTo>
+                  <a:pt x="12098" y="2335"/>
+                </a:lnTo>
+                <a:lnTo>
+                  <a:pt x="12098" y="1"/>
+                </a:lnTo>
+                <a:close/>
+              </a:path>
+            </a:pathLst>
+          </a:custGeom>
+          <a:solidFill>
+            <a:schemeClr val="dk2"/>
+          </a:solidFill>
+          <a:ln>
+            <a:noFill/>
+          </a:ln>
+        </p:spPr>
+        <p:txBody>
+          <a:bodyPr anchorCtr="0" anchor="ctr" bIns="91425" lIns="91425" spcFirstLastPara="1" rIns="91425" wrap="square" tIns="91425">
+            <a:noAutofit/>
+          </a:bodyPr>
+          <a:lstStyle/>
+          <a:p>
+            <a:pPr indent="0" lvl="0" marL="0" rtl="0" algn="l">
+              <a:spcBef>
+                <a:spcPts val="0"/>
+              </a:spcBef>
+              <a:spcAft>
+                <a:spcPts val="0"/>
+              </a:spcAft>
+              <a:buNone/>
+            </a:pPr>
+            <a:r>
+              <a:t/>
+            </a:r>
+            <a:endParaRPr/>
+          </a:p>
+        </p:txBody>
+      </p:sp>
+      <p:sp>
+        <p:nvSpPr>
+          <p:cNvPr id="788" name="Google Shape;788;p54"/>
+          <p:cNvSpPr/>
+          <p:nvPr/>
+        </p:nvSpPr>
+        <p:spPr>
+          <a:xfrm rot="5400000">
+            <a:off x="7019925" y="3201525"/>
+            <a:ext cx="773400" cy="773400"/>
+          </a:xfrm>
+          <a:prstGeom prst="rect">
+            <a:avLst/>
+          </a:prstGeom>
+          <a:solidFill>
+            <a:schemeClr val="dk2"/>
+          </a:solidFill>
+          <a:ln>
+            <a:noFill/>
+          </a:ln>
+        </p:spPr>
+        <p:txBody>
+          <a:bodyPr anchorCtr="0" anchor="ctr" bIns="91425" lIns="91425" spcFirstLastPara="1" rIns="91425" wrap="square" tIns="91425">
+            <a:noAutofit/>
+          </a:bodyPr>
+          <a:lstStyle/>
+          <a:p>
+            <a:pPr indent="0" lvl="0" marL="0" rtl="0" algn="l">
+              <a:spcBef>
+                <a:spcPts val="0"/>
+              </a:spcBef>
+              <a:spcAft>
+                <a:spcPts val="0"/>
+              </a:spcAft>
+              <a:buNone/>
+            </a:pPr>
+            <a:r>
+              <a:t/>
+            </a:r>
+            <a:endParaRPr/>
+          </a:p>
+        </p:txBody>
+      </p:sp>
+      <p:sp>
+        <p:nvSpPr>
+          <p:cNvPr id="789" name="Google Shape;789;p54"/>
+          <p:cNvSpPr/>
+          <p:nvPr/>
+        </p:nvSpPr>
+        <p:spPr>
+          <a:xfrm flipH="1">
+            <a:off x="728536" y="3201525"/>
+            <a:ext cx="488864" cy="179698"/>
+          </a:xfrm>
+          <a:custGeom>
+            <a:rect b="b" l="l" r="r" t="t"/>
+            <a:pathLst>
+              <a:path extrusionOk="0" h="2346" w="21766">
+                <a:moveTo>
+                  <a:pt x="1" y="0"/>
+                </a:moveTo>
+                <a:lnTo>
+                  <a:pt x="1" y="2346"/>
+                </a:lnTo>
+                <a:lnTo>
+                  <a:pt x="21765" y="2346"/>
+                </a:lnTo>
+                <a:lnTo>
+                  <a:pt x="21765" y="0"/>
+                </a:lnTo>
+                <a:close/>
+              </a:path>
+            </a:pathLst>
+          </a:custGeom>
+          <a:solidFill>
+            <a:schemeClr val="lt2"/>
+          </a:solidFill>
+          <a:ln>
+            <a:noFill/>
+          </a:ln>
+        </p:spPr>
+        <p:txBody>
+          <a:bodyPr anchorCtr="0" anchor="ctr" bIns="91425" lIns="91425" spcFirstLastPara="1" rIns="91425" wrap="square" tIns="91425">
+            <a:noAutofit/>
+          </a:bodyPr>
+          <a:lstStyle/>
+          <a:p>
+            <a:pPr indent="0" lvl="0" marL="0" rtl="0" algn="l">
+              <a:spcBef>
+                <a:spcPts val="0"/>
+              </a:spcBef>
+              <a:spcAft>
+                <a:spcPts val="0"/>
+              </a:spcAft>
+              <a:buNone/>
+            </a:pPr>
+            <a:r>
+              <a:t/>
+            </a:r>
+            <a:endParaRPr/>
+          </a:p>
+        </p:txBody>
+      </p:sp>
+      <p:sp>
+        <p:nvSpPr>
+          <p:cNvPr id="790" name="Google Shape;790;p54"/>
+          <p:cNvSpPr/>
+          <p:nvPr/>
+        </p:nvSpPr>
+        <p:spPr>
+          <a:xfrm flipH="1">
+            <a:off x="514308" y="3498350"/>
+            <a:ext cx="570167" cy="179751"/>
+          </a:xfrm>
+          <a:custGeom>
+            <a:rect b="b" l="l" r="r" t="t"/>
+            <a:pathLst>
+              <a:path extrusionOk="0" h="2347" w="46995">
+                <a:moveTo>
+                  <a:pt x="0" y="1"/>
+                </a:moveTo>
+                <a:lnTo>
+                  <a:pt x="0" y="2346"/>
+                </a:lnTo>
+                <a:lnTo>
+                  <a:pt x="46994" y="2346"/>
+                </a:lnTo>
+                <a:lnTo>
+                  <a:pt x="46994" y="1"/>
+                </a:lnTo>
+                <a:close/>
+              </a:path>
+            </a:pathLst>
+          </a:custGeom>
+          <a:solidFill>
+            <a:schemeClr val="lt1"/>
+          </a:solidFill>
+          <a:ln>
+            <a:noFill/>
+          </a:ln>
+        </p:spPr>
+        <p:txBody>
+          <a:bodyPr anchorCtr="0" anchor="ctr" bIns="91425" lIns="91425" spcFirstLastPara="1" rIns="91425" wrap="square" tIns="91425">
+            <a:noAutofit/>
+          </a:bodyPr>
+          <a:lstStyle/>
+          <a:p>
+            <a:pPr indent="0" lvl="0" marL="0" rtl="0" algn="l">
+              <a:spcBef>
+                <a:spcPts val="0"/>
+              </a:spcBef>
+              <a:spcAft>
+                <a:spcPts val="0"/>
+              </a:spcAft>
+              <a:buNone/>
+            </a:pPr>
+            <a:r>
+              <a:t/>
+            </a:r>
+            <a:endParaRPr/>
+          </a:p>
+        </p:txBody>
+      </p:sp>
+      <p:sp>
+        <p:nvSpPr>
+          <p:cNvPr id="791" name="Google Shape;791;p54"/>
+          <p:cNvSpPr/>
+          <p:nvPr/>
+        </p:nvSpPr>
+        <p:spPr>
+          <a:xfrm flipH="1">
+            <a:off x="877356" y="3796075"/>
+            <a:ext cx="323894" cy="178849"/>
+          </a:xfrm>
+          <a:custGeom>
+            <a:rect b="b" l="l" r="r" t="t"/>
+            <a:pathLst>
+              <a:path extrusionOk="0" h="2335" w="12098">
+                <a:moveTo>
+                  <a:pt x="1" y="1"/>
+                </a:moveTo>
+                <a:lnTo>
+                  <a:pt x="1" y="2335"/>
+                </a:lnTo>
+                <a:lnTo>
+                  <a:pt x="12098" y="2335"/>
+                </a:lnTo>
+                <a:lnTo>
+                  <a:pt x="12098" y="1"/>
+                </a:lnTo>
+                <a:close/>
+              </a:path>
+            </a:pathLst>
+          </a:custGeom>
+          <a:solidFill>
+            <a:schemeClr val="lt2"/>
+          </a:solidFill>
+          <a:ln>
+            <a:noFill/>
+          </a:ln>
+        </p:spPr>
+        <p:txBody>
+          <a:bodyPr anchorCtr="0" anchor="ctr" bIns="91425" lIns="91425" spcFirstLastPara="1" rIns="91425" wrap="square" tIns="91425">
+            <a:noAutofit/>
+          </a:bodyPr>
+          <a:lstStyle/>
+          <a:p>
+            <a:pPr indent="0" lvl="0" marL="0" rtl="0" algn="l">
+              <a:spcBef>
+                <a:spcPts val="0"/>
+              </a:spcBef>
+              <a:spcAft>
+                <a:spcPts val="0"/>
+              </a:spcAft>
+              <a:buNone/>
+            </a:pPr>
+            <a:r>
+              <a:t/>
+            </a:r>
+            <a:endParaRPr/>
+          </a:p>
+        </p:txBody>
+      </p:sp>
+      <p:sp>
+        <p:nvSpPr>
+          <p:cNvPr id="792" name="Google Shape;792;p54"/>
+          <p:cNvSpPr/>
+          <p:nvPr/>
+        </p:nvSpPr>
+        <p:spPr>
+          <a:xfrm flipH="1">
+            <a:off x="514360" y="1829925"/>
+            <a:ext cx="703042" cy="179698"/>
+          </a:xfrm>
+          <a:custGeom>
+            <a:rect b="b" l="l" r="r" t="t"/>
+            <a:pathLst>
+              <a:path extrusionOk="0" h="2346" w="21766">
+                <a:moveTo>
+                  <a:pt x="1" y="0"/>
+                </a:moveTo>
+                <a:lnTo>
+                  <a:pt x="1" y="2346"/>
+                </a:lnTo>
+                <a:lnTo>
+                  <a:pt x="21765" y="2346"/>
+                </a:lnTo>
+                <a:lnTo>
+                  <a:pt x="21765" y="0"/>
+                </a:lnTo>
+                <a:close/>
+              </a:path>
+            </a:pathLst>
+          </a:custGeom>
+          <a:solidFill>
+            <a:schemeClr val="lt1"/>
+          </a:solidFill>
+          <a:ln>
+            <a:noFill/>
+          </a:ln>
+        </p:spPr>
+        <p:txBody>
+          <a:bodyPr anchorCtr="0" anchor="ctr" bIns="91425" lIns="91425" spcFirstLastPara="1" rIns="91425" wrap="square" tIns="91425">
+            <a:noAutofit/>
+          </a:bodyPr>
+          <a:lstStyle/>
+          <a:p>
+            <a:pPr indent="0" lvl="0" marL="0" rtl="0" algn="l">
+              <a:spcBef>
+                <a:spcPts val="0"/>
+              </a:spcBef>
+              <a:spcAft>
+                <a:spcPts val="0"/>
+              </a:spcAft>
+              <a:buNone/>
+            </a:pPr>
+            <a:r>
+              <a:t/>
+            </a:r>
+            <a:endParaRPr/>
+          </a:p>
+        </p:txBody>
+      </p:sp>
+      <p:sp>
+        <p:nvSpPr>
+          <p:cNvPr id="793" name="Google Shape;793;p54"/>
+          <p:cNvSpPr/>
+          <p:nvPr/>
+        </p:nvSpPr>
+        <p:spPr>
+          <a:xfrm flipH="1">
+            <a:off x="783204" y="2127175"/>
+            <a:ext cx="178816" cy="179751"/>
+          </a:xfrm>
+          <a:custGeom>
+            <a:rect b="b" l="l" r="r" t="t"/>
+            <a:pathLst>
+              <a:path extrusionOk="0" h="2347" w="46995">
+                <a:moveTo>
+                  <a:pt x="0" y="1"/>
+                </a:moveTo>
+                <a:lnTo>
+                  <a:pt x="0" y="2346"/>
+                </a:lnTo>
+                <a:lnTo>
+                  <a:pt x="46994" y="2346"/>
+                </a:lnTo>
+                <a:lnTo>
+                  <a:pt x="46994" y="1"/>
+                </a:lnTo>
+                <a:close/>
+              </a:path>
+            </a:pathLst>
+          </a:custGeom>
+          <a:solidFill>
+            <a:schemeClr val="dk2"/>
+          </a:solidFill>
+          <a:ln>
+            <a:noFill/>
+          </a:ln>
+        </p:spPr>
+        <p:txBody>
+          <a:bodyPr anchorCtr="0" anchor="ctr" bIns="91425" lIns="91425" spcFirstLastPara="1" rIns="91425" wrap="square" tIns="91425">
+            <a:noAutofit/>
+          </a:bodyPr>
+          <a:lstStyle/>
+          <a:p>
+            <a:pPr indent="0" lvl="0" marL="0" rtl="0" algn="l">
+              <a:spcBef>
+                <a:spcPts val="0"/>
+              </a:spcBef>
+              <a:spcAft>
+                <a:spcPts val="0"/>
+              </a:spcAft>
+              <a:buNone/>
+            </a:pPr>
+            <a:r>
+              <a:t/>
+            </a:r>
+            <a:endParaRPr/>
+          </a:p>
+        </p:txBody>
+      </p:sp>
+      <p:sp>
+        <p:nvSpPr>
+          <p:cNvPr id="794" name="Google Shape;794;p54"/>
+          <p:cNvSpPr/>
+          <p:nvPr/>
+        </p:nvSpPr>
+        <p:spPr>
+          <a:xfrm flipH="1">
+            <a:off x="8071052" y="2126750"/>
+            <a:ext cx="570173" cy="179751"/>
+          </a:xfrm>
+          <a:custGeom>
+            <a:rect b="b" l="l" r="r" t="t"/>
+            <a:pathLst>
+              <a:path extrusionOk="0" h="2347" w="5323">
+                <a:moveTo>
+                  <a:pt x="1" y="1"/>
+                </a:moveTo>
+                <a:lnTo>
+                  <a:pt x="1" y="2346"/>
+                </a:lnTo>
+                <a:lnTo>
+                  <a:pt x="5323" y="2346"/>
+                </a:lnTo>
+                <a:lnTo>
+                  <a:pt x="5323" y="1"/>
+                </a:lnTo>
+                <a:close/>
+              </a:path>
+            </a:pathLst>
+          </a:custGeom>
+          <a:solidFill>
+            <a:schemeClr val="lt2"/>
+          </a:solidFill>
+          <a:ln>
+            <a:noFill/>
+          </a:ln>
+        </p:spPr>
+        <p:txBody>
+          <a:bodyPr anchorCtr="0" anchor="ctr" bIns="91425" lIns="91425" spcFirstLastPara="1" rIns="91425" wrap="square" tIns="91425">
+            <a:noAutofit/>
+          </a:bodyPr>
+          <a:lstStyle/>
+          <a:p>
+            <a:pPr indent="0" lvl="0" marL="0" rtl="0" algn="l">
+              <a:spcBef>
+                <a:spcPts val="0"/>
+              </a:spcBef>
+              <a:spcAft>
+                <a:spcPts val="0"/>
+              </a:spcAft>
+              <a:buNone/>
+            </a:pPr>
+            <a:r>
+              <a:t/>
+            </a:r>
+            <a:endParaRPr/>
+          </a:p>
+        </p:txBody>
+      </p:sp>
+      <p:sp>
+        <p:nvSpPr>
+          <p:cNvPr id="795" name="Google Shape;795;p54"/>
+          <p:cNvSpPr/>
+          <p:nvPr/>
+        </p:nvSpPr>
+        <p:spPr>
+          <a:xfrm flipH="1">
+            <a:off x="7930661" y="2424475"/>
+            <a:ext cx="471489" cy="178849"/>
+          </a:xfrm>
+          <a:custGeom>
+            <a:rect b="b" l="l" r="r" t="t"/>
+            <a:pathLst>
+              <a:path extrusionOk="0" h="2335" w="12098">
+                <a:moveTo>
+                  <a:pt x="1" y="1"/>
+                </a:moveTo>
+                <a:lnTo>
+                  <a:pt x="1" y="2335"/>
+                </a:lnTo>
+                <a:lnTo>
+                  <a:pt x="12098" y="2335"/>
+                </a:lnTo>
+                <a:lnTo>
+                  <a:pt x="12098" y="1"/>
+                </a:lnTo>
+                <a:close/>
+              </a:path>
+            </a:pathLst>
+          </a:custGeom>
+          <a:solidFill>
+            <a:srgbClr val="FFFFFF">
+              <a:alpha val="31370"/>
+            </a:srgbClr>
+          </a:solidFill>
+          <a:ln>
+            <a:noFill/>
+          </a:ln>
+        </p:spPr>
+        <p:txBody>
+          <a:bodyPr anchorCtr="0" anchor="ctr" bIns="91425" lIns="91425" spcFirstLastPara="1" rIns="91425" wrap="square" tIns="91425">
+            <a:noAutofit/>
+          </a:bodyPr>
+          <a:lstStyle/>
+          <a:p>
+            <a:pPr indent="0" lvl="0" marL="0" rtl="0" algn="l">
+              <a:spcBef>
+                <a:spcPts val="0"/>
+              </a:spcBef>
+              <a:spcAft>
+                <a:spcPts val="0"/>
+              </a:spcAft>
+              <a:buNone/>
+            </a:pPr>
+            <a:r>
+              <a:t/>
+            </a:r>
+            <a:endParaRPr/>
+          </a:p>
+        </p:txBody>
+      </p:sp>
+      <p:sp>
+        <p:nvSpPr>
+          <p:cNvPr id="796" name="Google Shape;796;p54"/>
+          <p:cNvSpPr txBox="1"/>
+          <p:nvPr>
+            <p:ph idx="8" type="subTitle"/>
+          </p:nvPr>
+        </p:nvSpPr>
+        <p:spPr>
+          <a:xfrm flipH="1">
+            <a:off x="2266008" y="2208197"/>
+            <a:ext cx="2163900" cy="413100"/>
+          </a:xfrm>
+          <a:prstGeom prst="rect">
+            <a:avLst/>
+          </a:prstGeom>
+        </p:spPr>
+        <p:txBody>
+          <a:bodyPr anchorCtr="0" anchor="t" bIns="91425" lIns="91425" spcFirstLastPara="1" rIns="91425" wrap="square" tIns="0">
+            <a:noAutofit/>
+          </a:bodyPr>
+          <a:lstStyle/>
+          <a:p>
+            <a:pPr indent="0" lvl="0" marL="0" rtl="0" algn="l">
+              <a:spcBef>
+                <a:spcPts val="0"/>
+              </a:spcBef>
+              <a:spcAft>
+                <a:spcPts val="0"/>
+              </a:spcAft>
+              <a:buNone/>
+            </a:pPr>
+            <a:r>
+              <a:t/>
+            </a:r>
+            <a:endParaRPr/>
+          </a:p>
+          <a:p>
+            <a:pPr indent="0" lvl="0" marL="0" rtl="0" algn="l">
+              <a:spcBef>
+                <a:spcPts val="0"/>
+              </a:spcBef>
+              <a:spcAft>
+                <a:spcPts val="0"/>
+              </a:spcAft>
+              <a:buNone/>
+            </a:pPr>
+            <a:r>
+              <a:t/>
+            </a:r>
+            <a:endParaRPr/>
+          </a:p>
+          <a:p>
+            <a:pPr indent="0" lvl="0" marL="0" rtl="0" algn="l">
+              <a:spcBef>
+                <a:spcPts val="0"/>
+              </a:spcBef>
+              <a:spcAft>
+                <a:spcPts val="0"/>
+              </a:spcAft>
+              <a:buNone/>
+            </a:pPr>
+            <a:r>
+              <a:t/>
+            </a:r>
+            <a:endParaRPr/>
+          </a:p>
+        </p:txBody>
+      </p:sp>
+    </p:spTree>
+  </p:cSld>
+  <p:clrMapOvr>
+    <a:masterClrMapping/>
+  </p:clrMapOvr>
+</p:sld>
+</file>
+
+<file path=ppt/slides/slide31.xml><?xml version="1.0" encoding="utf-8"?>
+<p:sld xmlns:a="http://schemas.openxmlformats.org/drawingml/2006/main" xmlns:r="http://schemas.openxmlformats.org/officeDocument/2006/relationships" xmlns:mc="http://schemas.openxmlformats.org/markup-compatibility/2006" xmlns:mv="urn:schemas-microsoft-com:mac:vml" xmlns:p="http://schemas.openxmlformats.org/presentationml/2006/main" xmlns:c="http://schemas.openxmlformats.org/drawingml/2006/chart" xmlns:dgm="http://schemas.openxmlformats.org/drawingml/2006/diagram" xmlns:o="urn:schemas-microsoft-com:office:office" xmlns:v="urn:schemas-microsoft-com:vml" xmlns:pvml="urn:schemas-microsoft-com:office:powerpoint" xmlns:com="http://schemas.openxmlformats.org/drawingml/2006/compatibility" xmlns:p14="http://schemas.microsoft.com/office/powerpoint/2010/main" xmlns:p15="http://schemas.microsoft.com/office/powerpoint/2012/main" xmlns:ahyp="http://schemas.microsoft.com/office/drawing/2018/hyperlinkcolor">
+  <p:cSld>
+    <p:spTree>
+      <p:nvGrpSpPr>
+        <p:cNvPr id="800" name="Shape 800"/>
+        <p:cNvGrpSpPr/>
+        <p:nvPr/>
+      </p:nvGrpSpPr>
+      <p:grpSpPr>
+        <a:xfrm>
+          <a:off x="0" y="0"/>
+          <a:ext cx="0" cy="0"/>
+          <a:chOff x="0" y="0"/>
+          <a:chExt cx="0" cy="0"/>
+        </a:xfrm>
+      </p:grpSpPr>
+      <p:sp>
+        <p:nvSpPr>
+          <p:cNvPr id="801" name="Google Shape;801;p55"/>
+          <p:cNvSpPr txBox="1"/>
+          <p:nvPr>
+            <p:ph type="title"/>
+          </p:nvPr>
+        </p:nvSpPr>
+        <p:spPr>
+          <a:xfrm>
+            <a:off x="2951850" y="700250"/>
+            <a:ext cx="3240300" cy="669000"/>
+          </a:xfrm>
+          <a:prstGeom prst="rect">
+            <a:avLst/>
+          </a:prstGeom>
+        </p:spPr>
+        <p:txBody>
+          <a:bodyPr anchorCtr="0" anchor="t" bIns="91425" lIns="91425" spcFirstLastPara="1" rIns="91425" wrap="square" tIns="91425">
+            <a:noAutofit/>
+          </a:bodyPr>
+          <a:lstStyle/>
+          <a:p>
+            <a:pPr indent="0" lvl="0" marL="0" rtl="0" algn="ctr">
+              <a:spcBef>
+                <a:spcPts val="0"/>
+              </a:spcBef>
+              <a:spcAft>
+                <a:spcPts val="0"/>
+              </a:spcAft>
+              <a:buNone/>
+            </a:pPr>
+            <a:r>
+              <a:rPr lang="en"/>
               <a:t>THANKS!</a:t>
             </a:r>
             <a:endParaRPr/>
@@ -43877,7 +47334,7 @@
       </p:sp>
       <p:sp>
         <p:nvSpPr>
-          <p:cNvPr id="733" name="Google Shape;733;p50"/>
+          <p:cNvPr id="802" name="Google Shape;802;p55"/>
           <p:cNvSpPr txBox="1"/>
           <p:nvPr>
             <p:ph idx="1" type="subTitle"/>
@@ -44038,7 +47495,7 @@
       </p:sp>
       <p:grpSp>
         <p:nvGrpSpPr>
-          <p:cNvPr id="734" name="Google Shape;734;p50"/>
+          <p:cNvPr id="803" name="Google Shape;803;p55"/>
           <p:cNvGrpSpPr/>
           <p:nvPr/>
         </p:nvGrpSpPr>
@@ -44052,7 +47509,7 @@
         </p:grpSpPr>
         <p:grpSp>
           <p:nvGrpSpPr>
-            <p:cNvPr id="735" name="Google Shape;735;p50"/>
+            <p:cNvPr id="804" name="Google Shape;804;p55"/>
             <p:cNvGrpSpPr/>
             <p:nvPr/>
           </p:nvGrpSpPr>
@@ -44066,7 +47523,7 @@
           </p:grpSpPr>
           <p:sp>
             <p:nvSpPr>
-              <p:cNvPr id="736" name="Google Shape;736;p50"/>
+              <p:cNvPr id="805" name="Google Shape;805;p55"/>
               <p:cNvSpPr/>
               <p:nvPr/>
             </p:nvSpPr>
@@ -44137,7 +47594,7 @@
           </p:sp>
           <p:sp>
             <p:nvSpPr>
-              <p:cNvPr id="737" name="Google Shape;737;p50"/>
+              <p:cNvPr id="806" name="Google Shape;806;p55"/>
               <p:cNvSpPr/>
               <p:nvPr/>
             </p:nvSpPr>
@@ -44253,7 +47710,7 @@
           </p:sp>
           <p:sp>
             <p:nvSpPr>
-              <p:cNvPr id="738" name="Google Shape;738;p50"/>
+              <p:cNvPr id="807" name="Google Shape;807;p55"/>
               <p:cNvSpPr/>
               <p:nvPr/>
             </p:nvSpPr>
@@ -44348,7 +47805,7 @@
           </p:sp>
           <p:sp>
             <p:nvSpPr>
-              <p:cNvPr id="739" name="Google Shape;739;p50"/>
+              <p:cNvPr id="808" name="Google Shape;808;p55"/>
               <p:cNvSpPr/>
               <p:nvPr/>
             </p:nvSpPr>
@@ -44420,7 +47877,7 @@
         </p:grpSp>
         <p:grpSp>
           <p:nvGrpSpPr>
-            <p:cNvPr id="740" name="Google Shape;740;p50"/>
+            <p:cNvPr id="809" name="Google Shape;809;p55"/>
             <p:cNvGrpSpPr/>
             <p:nvPr/>
           </p:nvGrpSpPr>
@@ -44434,7 +47891,7 @@
           </p:grpSpPr>
           <p:sp>
             <p:nvSpPr>
-              <p:cNvPr id="741" name="Google Shape;741;p50"/>
+              <p:cNvPr id="810" name="Google Shape;810;p55"/>
               <p:cNvSpPr/>
               <p:nvPr/>
             </p:nvSpPr>
@@ -44505,7 +47962,7 @@
           </p:sp>
           <p:sp>
             <p:nvSpPr>
-              <p:cNvPr id="742" name="Google Shape;742;p50"/>
+              <p:cNvPr id="811" name="Google Shape;811;p55"/>
               <p:cNvSpPr/>
               <p:nvPr/>
             </p:nvSpPr>
@@ -44585,7 +48042,7 @@
           </p:sp>
           <p:sp>
             <p:nvSpPr>
-              <p:cNvPr id="743" name="Google Shape;743;p50"/>
+              <p:cNvPr id="812" name="Google Shape;812;p55"/>
               <p:cNvSpPr/>
               <p:nvPr/>
             </p:nvSpPr>
@@ -44656,7 +48113,7 @@
           </p:sp>
           <p:sp>
             <p:nvSpPr>
-              <p:cNvPr id="744" name="Google Shape;744;p50"/>
+              <p:cNvPr id="813" name="Google Shape;813;p55"/>
               <p:cNvSpPr/>
               <p:nvPr/>
             </p:nvSpPr>
@@ -44805,7 +48262,7 @@
         </p:grpSp>
         <p:grpSp>
           <p:nvGrpSpPr>
-            <p:cNvPr id="745" name="Google Shape;745;p50"/>
+            <p:cNvPr id="814" name="Google Shape;814;p55"/>
             <p:cNvGrpSpPr/>
             <p:nvPr/>
           </p:nvGrpSpPr>
@@ -44819,7 +48276,7 @@
           </p:grpSpPr>
           <p:sp>
             <p:nvSpPr>
-              <p:cNvPr id="746" name="Google Shape;746;p50"/>
+              <p:cNvPr id="815" name="Google Shape;815;p55"/>
               <p:cNvSpPr/>
               <p:nvPr/>
             </p:nvSpPr>
@@ -44890,7 +48347,7 @@
           </p:sp>
           <p:sp>
             <p:nvSpPr>
-              <p:cNvPr id="747" name="Google Shape;747;p50"/>
+              <p:cNvPr id="816" name="Google Shape;816;p55"/>
               <p:cNvSpPr/>
               <p:nvPr/>
             </p:nvSpPr>
@@ -45054,7 +48511,7 @@
       </p:grpSp>
       <p:sp>
         <p:nvSpPr>
-          <p:cNvPr id="748" name="Google Shape;748;p50"/>
+          <p:cNvPr id="817" name="Google Shape;817;p55"/>
           <p:cNvSpPr txBox="1"/>
           <p:nvPr/>
         </p:nvSpPr>
@@ -45112,7 +48569,7 @@
       </p:sp>
       <p:pic>
         <p:nvPicPr>
-          <p:cNvPr id="749" name="Google Shape;749;p50"/>
+          <p:cNvPr id="818" name="Google Shape;818;p55"/>
           <p:cNvPicPr preferRelativeResize="0"/>
           <p:nvPr/>
         </p:nvPicPr>
@@ -45138,251 +48595,6 @@
           </a:ln>
         </p:spPr>
       </p:pic>
-    </p:spTree>
-  </p:cSld>
-  <p:clrMapOvr>
-    <a:masterClrMapping/>
-  </p:clrMapOvr>
-</p:sld>
-</file>
-
-<file path=ppt/slides/slide3.xml><?xml version="1.0" encoding="utf-8"?>
-<p:sld xmlns:a="http://schemas.openxmlformats.org/drawingml/2006/main" xmlns:r="http://schemas.openxmlformats.org/officeDocument/2006/relationships" xmlns:mc="http://schemas.openxmlformats.org/markup-compatibility/2006" xmlns:mv="urn:schemas-microsoft-com:mac:vml" xmlns:p="http://schemas.openxmlformats.org/presentationml/2006/main" xmlns:c="http://schemas.openxmlformats.org/drawingml/2006/chart" xmlns:dgm="http://schemas.openxmlformats.org/drawingml/2006/diagram" xmlns:o="urn:schemas-microsoft-com:office:office" xmlns:v="urn:schemas-microsoft-com:vml" xmlns:pvml="urn:schemas-microsoft-com:office:powerpoint" xmlns:com="http://schemas.openxmlformats.org/drawingml/2006/compatibility" xmlns:p14="http://schemas.microsoft.com/office/powerpoint/2010/main" xmlns:p15="http://schemas.microsoft.com/office/powerpoint/2012/main" xmlns:ahyp="http://schemas.microsoft.com/office/drawing/2018/hyperlinkcolor">
-  <p:cSld>
-    <p:spTree>
-      <p:nvGrpSpPr>
-        <p:cNvPr id="349" name="Shape 349"/>
-        <p:cNvGrpSpPr/>
-        <p:nvPr/>
-      </p:nvGrpSpPr>
-      <p:grpSpPr>
-        <a:xfrm>
-          <a:off x="0" y="0"/>
-          <a:ext cx="0" cy="0"/>
-          <a:chOff x="0" y="0"/>
-          <a:chExt cx="0" cy="0"/>
-        </a:xfrm>
-      </p:grpSpPr>
-      <p:pic>
-        <p:nvPicPr>
-          <p:cNvPr id="350" name="Google Shape;350;p27"/>
-          <p:cNvPicPr preferRelativeResize="0"/>
-          <p:nvPr/>
-        </p:nvPicPr>
-        <p:blipFill rotWithShape="1">
-          <a:blip r:embed="rId3">
-            <a:alphaModFix/>
-          </a:blip>
-          <a:srcRect b="4812" l="24495" r="9353" t="18187"/>
-          <a:stretch/>
-        </p:blipFill>
-        <p:spPr>
-          <a:xfrm>
-            <a:off x="5353050" y="1809750"/>
-            <a:ext cx="3324251" cy="2581274"/>
-          </a:xfrm>
-          <a:prstGeom prst="rect">
-            <a:avLst/>
-          </a:prstGeom>
-          <a:noFill/>
-          <a:ln>
-            <a:noFill/>
-          </a:ln>
-        </p:spPr>
-      </p:pic>
-      <p:sp>
-        <p:nvSpPr>
-          <p:cNvPr id="351" name="Google Shape;351;p27"/>
-          <p:cNvSpPr txBox="1"/>
-          <p:nvPr>
-            <p:ph idx="1" type="body"/>
-          </p:nvPr>
-        </p:nvSpPr>
-        <p:spPr>
-          <a:xfrm>
-            <a:off x="609500" y="1973025"/>
-            <a:ext cx="3561300" cy="2581200"/>
-          </a:xfrm>
-          <a:prstGeom prst="rect">
-            <a:avLst/>
-          </a:prstGeom>
-        </p:spPr>
-        <p:txBody>
-          <a:bodyPr anchorCtr="0" anchor="t" bIns="91425" lIns="91425" spcFirstLastPara="1" rIns="91425" wrap="square" tIns="91425">
-            <a:noAutofit/>
-          </a:bodyPr>
-          <a:lstStyle/>
-          <a:p>
-            <a:pPr indent="0" lvl="0" marL="0" rtl="0" algn="l">
-              <a:spcBef>
-                <a:spcPts val="0"/>
-              </a:spcBef>
-              <a:spcAft>
-                <a:spcPts val="0"/>
-              </a:spcAft>
-              <a:buNone/>
-            </a:pPr>
-            <a:r>
-              <a:rPr lang="en"/>
-              <a:t>Mainly this type data structure is as same as Queue and Stack. This type of data structures are one dimension. And in the Priority Queue we will have priority variable. In another word in this type of data structures the element which is adding collection will have priority level and it placed in the first place </a:t>
-            </a:r>
-            <a:endParaRPr/>
-          </a:p>
-          <a:p>
-            <a:pPr indent="0" lvl="0" marL="0" rtl="0" algn="l">
-              <a:spcBef>
-                <a:spcPts val="0"/>
-              </a:spcBef>
-              <a:spcAft>
-                <a:spcPts val="0"/>
-              </a:spcAft>
-              <a:buNone/>
-            </a:pPr>
-            <a:r>
-              <a:t/>
-            </a:r>
-            <a:endParaRPr/>
-          </a:p>
-          <a:p>
-            <a:pPr indent="0" lvl="0" marL="0" rtl="0" algn="l">
-              <a:spcBef>
-                <a:spcPts val="0"/>
-              </a:spcBef>
-              <a:spcAft>
-                <a:spcPts val="0"/>
-              </a:spcAft>
-              <a:buNone/>
-            </a:pPr>
-            <a:r>
-              <a:t/>
-            </a:r>
-            <a:endParaRPr/>
-          </a:p>
-          <a:p>
-            <a:pPr indent="0" lvl="0" marL="0" rtl="0" algn="l">
-              <a:spcBef>
-                <a:spcPts val="0"/>
-              </a:spcBef>
-              <a:spcAft>
-                <a:spcPts val="0"/>
-              </a:spcAft>
-              <a:buNone/>
-            </a:pPr>
-            <a:r>
-              <a:t/>
-            </a:r>
-            <a:endParaRPr/>
-          </a:p>
-        </p:txBody>
-      </p:sp>
-      <p:sp>
-        <p:nvSpPr>
-          <p:cNvPr id="352" name="Google Shape;352;p27"/>
-          <p:cNvSpPr txBox="1"/>
-          <p:nvPr>
-            <p:ph type="title"/>
-          </p:nvPr>
-        </p:nvSpPr>
-        <p:spPr>
-          <a:xfrm>
-            <a:off x="560825" y="1168325"/>
-            <a:ext cx="3561300" cy="669000"/>
-          </a:xfrm>
-          <a:prstGeom prst="rect">
-            <a:avLst/>
-          </a:prstGeom>
-        </p:spPr>
-        <p:txBody>
-          <a:bodyPr anchorCtr="0" anchor="t" bIns="91425" lIns="91425" spcFirstLastPara="1" rIns="91425" wrap="square" tIns="91425">
-            <a:noAutofit/>
-          </a:bodyPr>
-          <a:lstStyle/>
-          <a:p>
-            <a:pPr indent="0" lvl="0" marL="0" rtl="0" algn="l">
-              <a:spcBef>
-                <a:spcPts val="0"/>
-              </a:spcBef>
-              <a:spcAft>
-                <a:spcPts val="0"/>
-              </a:spcAft>
-              <a:buNone/>
-            </a:pPr>
-            <a:r>
-              <a:rPr lang="en">
-                <a:solidFill>
-                  <a:schemeClr val="dk2"/>
-                </a:solidFill>
-              </a:rPr>
-              <a:t>INTRODUCTION</a:t>
-            </a:r>
-            <a:endParaRPr>
-              <a:solidFill>
-                <a:schemeClr val="dk2"/>
-              </a:solidFill>
-            </a:endParaRPr>
-          </a:p>
-        </p:txBody>
-      </p:sp>
-      <p:sp>
-        <p:nvSpPr>
-          <p:cNvPr id="353" name="Google Shape;353;p27"/>
-          <p:cNvSpPr/>
-          <p:nvPr/>
-        </p:nvSpPr>
-        <p:spPr>
-          <a:xfrm>
-            <a:off x="7524751" y="3887550"/>
-            <a:ext cx="1619286" cy="241405"/>
-          </a:xfrm>
-          <a:custGeom>
-            <a:rect b="b" l="l" r="r" t="t"/>
-            <a:pathLst>
-              <a:path extrusionOk="0" h="5859" w="146079">
-                <a:moveTo>
-                  <a:pt x="1" y="1"/>
-                </a:moveTo>
-                <a:lnTo>
-                  <a:pt x="1" y="5858"/>
-                </a:lnTo>
-                <a:lnTo>
-                  <a:pt x="146079" y="5858"/>
-                </a:lnTo>
-                <a:lnTo>
-                  <a:pt x="146079" y="1"/>
-                </a:lnTo>
-                <a:close/>
-              </a:path>
-            </a:pathLst>
-          </a:custGeom>
-          <a:solidFill>
-            <a:schemeClr val="dk2"/>
-          </a:solidFill>
-          <a:ln>
-            <a:noFill/>
-          </a:ln>
-        </p:spPr>
-        <p:txBody>
-          <a:bodyPr anchorCtr="0" anchor="ctr" bIns="91425" lIns="91425" spcFirstLastPara="1" rIns="91425" wrap="square" tIns="91425">
-            <a:noAutofit/>
-          </a:bodyPr>
-          <a:lstStyle/>
-          <a:p>
-            <a:pPr indent="0" lvl="0" marL="0" rtl="0" algn="l">
-              <a:spcBef>
-                <a:spcPts val="0"/>
-              </a:spcBef>
-              <a:spcAft>
-                <a:spcPts val="0"/>
-              </a:spcAft>
-              <a:buNone/>
-            </a:pPr>
-            <a:r>
-              <a:t/>
-            </a:r>
-            <a:endParaRPr/>
-          </a:p>
-        </p:txBody>
-      </p:sp>
     </p:spTree>
   </p:cSld>
   <p:clrMapOvr>
